--- a/groups/04-logMerge/kurzpresi.pptx
+++ b/groups/04-logMerge/kurzpresi.pptx
@@ -212,7 +212,7 @@
           <a:effectLst/>
           <a:extLst>
             <a:ext uri="{91240B29-F687-4f45-9708-019B960494DF}">
-              <a14:hiddenLine xmlns:a14="http://schemas.microsoft.com/office/drawing/2010/main" xmlns="" w="9525">
+              <a14:hiddenLine xmlns="" xmlns:a14="http://schemas.microsoft.com/office/drawing/2010/main" w="9525">
                 <a:solidFill>
                   <a:srgbClr val="000000"/>
                 </a:solidFill>
@@ -1722,7 +1722,7 @@
           <a:ln/>
           <a:extLst>
             <a:ext uri="{91240B29-F687-4f45-9708-019B960494DF}">
-              <a14:hiddenLine xmlns:a14="http://schemas.microsoft.com/office/drawing/2010/main" xmlns="" w="9525">
+              <a14:hiddenLine xmlns="" xmlns:a14="http://schemas.microsoft.com/office/drawing/2010/main" w="9525">
                 <a:solidFill>
                   <a:srgbClr val="000000"/>
                 </a:solidFill>
@@ -1994,7 +1994,7 @@
           <a:ln/>
           <a:extLst>
             <a:ext uri="{91240B29-F687-4f45-9708-019B960494DF}">
-              <a14:hiddenLine xmlns:a14="http://schemas.microsoft.com/office/drawing/2010/main" xmlns="" w="9525">
+              <a14:hiddenLine xmlns="" xmlns:a14="http://schemas.microsoft.com/office/drawing/2010/main" w="9525">
                 <a:solidFill>
                   <a:srgbClr val="000000"/>
                 </a:solidFill>
@@ -2274,7 +2274,7 @@
           <a:ln/>
           <a:extLst>
             <a:ext uri="{91240B29-F687-4f45-9708-019B960494DF}">
-              <a14:hiddenLine xmlns:a14="http://schemas.microsoft.com/office/drawing/2010/main" xmlns="" w="9525">
+              <a14:hiddenLine xmlns="" xmlns:a14="http://schemas.microsoft.com/office/drawing/2010/main" w="9525">
                 <a:solidFill>
                   <a:srgbClr val="000000"/>
                 </a:solidFill>
@@ -2894,7 +2894,7 @@
           <a:ln/>
           <a:extLst>
             <a:ext uri="{91240B29-F687-4f45-9708-019B960494DF}">
-              <a14:hiddenLine xmlns:a14="http://schemas.microsoft.com/office/drawing/2010/main" xmlns="" w="9525">
+              <a14:hiddenLine xmlns="" xmlns:a14="http://schemas.microsoft.com/office/drawing/2010/main" w="9525">
                 <a:solidFill>
                   <a:srgbClr val="000000"/>
                 </a:solidFill>
@@ -3230,7 +3230,7 @@
           <a:ln/>
           <a:extLst>
             <a:ext uri="{91240B29-F687-4f45-9708-019B960494DF}">
-              <a14:hiddenLine xmlns:a14="http://schemas.microsoft.com/office/drawing/2010/main" xmlns="" w="9525">
+              <a14:hiddenLine xmlns="" xmlns:a14="http://schemas.microsoft.com/office/drawing/2010/main" w="9525">
                 <a:solidFill>
                   <a:srgbClr val="000000"/>
                 </a:solidFill>
@@ -3704,7 +3704,7 @@
           <a:ln/>
           <a:extLst>
             <a:ext uri="{91240B29-F687-4f45-9708-019B960494DF}">
-              <a14:hiddenLine xmlns:a14="http://schemas.microsoft.com/office/drawing/2010/main" xmlns="" w="9525">
+              <a14:hiddenLine xmlns="" xmlns:a14="http://schemas.microsoft.com/office/drawing/2010/main" w="9525">
                 <a:solidFill>
                   <a:srgbClr val="000000"/>
                 </a:solidFill>
@@ -4127,7 +4127,7 @@
           <a:ln/>
           <a:extLst>
             <a:ext uri="{91240B29-F687-4f45-9708-019B960494DF}">
-              <a14:hiddenLine xmlns:a14="http://schemas.microsoft.com/office/drawing/2010/main" xmlns="" w="9525">
+              <a14:hiddenLine xmlns="" xmlns:a14="http://schemas.microsoft.com/office/drawing/2010/main" w="9525">
                 <a:solidFill>
                   <a:srgbClr val="000000"/>
                 </a:solidFill>
@@ -5927,7 +5927,15 @@
           <a:p>
             <a:r>
               <a:rPr lang="de-CH" dirty="0"/>
-              <a:t>Eigenes TODO</a:t>
+              <a:t>Eigenes </a:t>
+            </a:r>
+            <a:r>
+              <a:rPr lang="de-CH" dirty="0">
+                <a:solidFill>
+                  <a:srgbClr val="FFFF00"/>
+                </a:solidFill>
+              </a:rPr>
+              <a:t>TODO:</a:t>
             </a:r>
           </a:p>
         </p:txBody>

--- a/groups/04-logMerge/kurzpresi.pptx
+++ b/groups/04-logMerge/kurzpresi.pptx
@@ -6,11 +6,15 @@
   </p:sldMasterIdLst>
   <p:sldIdLst>
     <p:sldId id="256" r:id="rId2"/>
-    <p:sldId id="257" r:id="rId3"/>
-    <p:sldId id="258" r:id="rId4"/>
-    <p:sldId id="261" r:id="rId5"/>
-    <p:sldId id="259" r:id="rId6"/>
-    <p:sldId id="260" r:id="rId7"/>
+    <p:sldId id="262" r:id="rId3"/>
+    <p:sldId id="264" r:id="rId4"/>
+    <p:sldId id="265" r:id="rId5"/>
+    <p:sldId id="263" r:id="rId6"/>
+    <p:sldId id="266" r:id="rId7"/>
+    <p:sldId id="258" r:id="rId8"/>
+    <p:sldId id="259" r:id="rId9"/>
+    <p:sldId id="261" r:id="rId10"/>
+    <p:sldId id="260" r:id="rId11"/>
   </p:sldIdLst>
   <p:sldSz cx="12192000" cy="6858000"/>
   <p:notesSz cx="6858000" cy="9144000"/>
@@ -212,7 +216,7 @@
           <a:effectLst/>
           <a:extLst>
             <a:ext uri="{91240B29-F687-4f45-9708-019B960494DF}">
-              <a14:hiddenLine xmlns="" xmlns:a14="http://schemas.microsoft.com/office/drawing/2010/main" w="9525">
+              <a14:hiddenLine xmlns:a14="http://schemas.microsoft.com/office/drawing/2010/main" xmlns="" w="9525">
                 <a:solidFill>
                   <a:srgbClr val="000000"/>
                 </a:solidFill>
@@ -448,7 +452,7 @@
             <a:fld id="{D57F1E4F-1CFF-5643-939E-217C01CDF565}" type="slidenum">
               <a:rPr lang="en-US" dirty="0"/>
               <a:pPr/>
-              <a:t>‹Nr.›</a:t>
+              <a:t>‹#›</a:t>
             </a:fld>
             <a:endParaRPr lang="en-US" dirty="0"/>
           </a:p>
@@ -763,7 +767,7 @@
             <a:fld id="{D57F1E4F-1CFF-5643-939E-217C01CDF565}" type="slidenum">
               <a:rPr lang="en-US" dirty="0"/>
               <a:pPr/>
-              <a:t>‹Nr.›</a:t>
+              <a:t>‹#›</a:t>
             </a:fld>
             <a:endParaRPr lang="en-US" dirty="0"/>
           </a:p>
@@ -1248,7 +1252,7 @@
             <a:fld id="{D57F1E4F-1CFF-5643-939E-217C01CDF565}" type="slidenum">
               <a:rPr lang="en-US" dirty="0"/>
               <a:pPr/>
-              <a:t>‹Nr.›</a:t>
+              <a:t>‹#›</a:t>
             </a:fld>
             <a:endParaRPr lang="en-US" dirty="0"/>
           </a:p>
@@ -1614,7 +1618,7 @@
             <a:fld id="{D57F1E4F-1CFF-5643-939E-217C01CDF565}" type="slidenum">
               <a:rPr lang="en-US" dirty="0"/>
               <a:pPr/>
-              <a:t>‹Nr.›</a:t>
+              <a:t>‹#›</a:t>
             </a:fld>
             <a:endParaRPr lang="en-US" dirty="0"/>
           </a:p>
@@ -1722,7 +1726,7 @@
           <a:ln/>
           <a:extLst>
             <a:ext uri="{91240B29-F687-4f45-9708-019B960494DF}">
-              <a14:hiddenLine xmlns="" xmlns:a14="http://schemas.microsoft.com/office/drawing/2010/main" w="9525">
+              <a14:hiddenLine xmlns:a14="http://schemas.microsoft.com/office/drawing/2010/main" xmlns="" w="9525">
                 <a:solidFill>
                   <a:srgbClr val="000000"/>
                 </a:solidFill>
@@ -1884,7 +1888,7 @@
             <a:fld id="{D57F1E4F-1CFF-5643-939E-217C01CDF565}" type="slidenum">
               <a:rPr lang="en-US" dirty="0"/>
               <a:pPr/>
-              <a:t>‹Nr.›</a:t>
+              <a:t>‹#›</a:t>
             </a:fld>
             <a:endParaRPr lang="en-US" dirty="0"/>
           </a:p>
@@ -1994,7 +1998,7 @@
           <a:ln/>
           <a:extLst>
             <a:ext uri="{91240B29-F687-4f45-9708-019B960494DF}">
-              <a14:hiddenLine xmlns="" xmlns:a14="http://schemas.microsoft.com/office/drawing/2010/main" w="9525">
+              <a14:hiddenLine xmlns:a14="http://schemas.microsoft.com/office/drawing/2010/main" xmlns="" w="9525">
                 <a:solidFill>
                   <a:srgbClr val="000000"/>
                 </a:solidFill>
@@ -2166,7 +2170,7 @@
             <a:fld id="{D57F1E4F-1CFF-5643-939E-217C01CDF565}" type="slidenum">
               <a:rPr lang="en-US" dirty="0"/>
               <a:pPr/>
-              <a:t>‹Nr.›</a:t>
+              <a:t>‹#›</a:t>
             </a:fld>
             <a:endParaRPr lang="en-US" dirty="0"/>
           </a:p>
@@ -2274,7 +2278,7 @@
           <a:ln/>
           <a:extLst>
             <a:ext uri="{91240B29-F687-4f45-9708-019B960494DF}">
-              <a14:hiddenLine xmlns="" xmlns:a14="http://schemas.microsoft.com/office/drawing/2010/main" w="9525">
+              <a14:hiddenLine xmlns:a14="http://schemas.microsoft.com/office/drawing/2010/main" xmlns="" w="9525">
                 <a:solidFill>
                   <a:srgbClr val="000000"/>
                 </a:solidFill>
@@ -2446,7 +2450,7 @@
             <a:fld id="{D57F1E4F-1CFF-5643-939E-217C01CDF565}" type="slidenum">
               <a:rPr lang="en-US" dirty="0"/>
               <a:pPr/>
-              <a:t>‹Nr.›</a:t>
+              <a:t>‹#›</a:t>
             </a:fld>
             <a:endParaRPr lang="en-US" dirty="0"/>
           </a:p>
@@ -2786,7 +2790,7 @@
             <a:fld id="{D57F1E4F-1CFF-5643-939E-217C01CDF565}" type="slidenum">
               <a:rPr lang="en-US" dirty="0"/>
               <a:pPr/>
-              <a:t>‹Nr.›</a:t>
+              <a:t>‹#›</a:t>
             </a:fld>
             <a:endParaRPr lang="en-US" dirty="0"/>
           </a:p>
@@ -2894,7 +2898,7 @@
           <a:ln/>
           <a:extLst>
             <a:ext uri="{91240B29-F687-4f45-9708-019B960494DF}">
-              <a14:hiddenLine xmlns="" xmlns:a14="http://schemas.microsoft.com/office/drawing/2010/main" w="9525">
+              <a14:hiddenLine xmlns:a14="http://schemas.microsoft.com/office/drawing/2010/main" xmlns="" w="9525">
                 <a:solidFill>
                   <a:srgbClr val="000000"/>
                 </a:solidFill>
@@ -3122,7 +3126,7 @@
             <a:fld id="{D57F1E4F-1CFF-5643-939E-217C01CDF565}" type="slidenum">
               <a:rPr lang="en-US" dirty="0"/>
               <a:pPr/>
-              <a:t>‹Nr.›</a:t>
+              <a:t>‹#›</a:t>
             </a:fld>
             <a:endParaRPr lang="en-US" dirty="0"/>
           </a:p>
@@ -3230,7 +3234,7 @@
           <a:ln/>
           <a:extLst>
             <a:ext uri="{91240B29-F687-4f45-9708-019B960494DF}">
-              <a14:hiddenLine xmlns="" xmlns:a14="http://schemas.microsoft.com/office/drawing/2010/main" w="9525">
+              <a14:hiddenLine xmlns:a14="http://schemas.microsoft.com/office/drawing/2010/main" xmlns="" w="9525">
                 <a:solidFill>
                   <a:srgbClr val="000000"/>
                 </a:solidFill>
@@ -3596,7 +3600,7 @@
             <a:fld id="{D57F1E4F-1CFF-5643-939E-217C01CDF565}" type="slidenum">
               <a:rPr lang="en-US" dirty="0"/>
               <a:pPr/>
-              <a:t>‹Nr.›</a:t>
+              <a:t>‹#›</a:t>
             </a:fld>
             <a:endParaRPr lang="en-US" dirty="0"/>
           </a:p>
@@ -3704,7 +3708,7 @@
           <a:ln/>
           <a:extLst>
             <a:ext uri="{91240B29-F687-4f45-9708-019B960494DF}">
-              <a14:hiddenLine xmlns="" xmlns:a14="http://schemas.microsoft.com/office/drawing/2010/main" w="9525">
+              <a14:hiddenLine xmlns:a14="http://schemas.microsoft.com/office/drawing/2010/main" xmlns="" w="9525">
                 <a:solidFill>
                   <a:srgbClr val="000000"/>
                 </a:solidFill>
@@ -3814,7 +3818,7 @@
             <a:fld id="{D57F1E4F-1CFF-5643-939E-217C01CDF565}" type="slidenum">
               <a:rPr lang="en-US" dirty="0"/>
               <a:pPr/>
-              <a:t>‹Nr.›</a:t>
+              <a:t>‹#›</a:t>
             </a:fld>
             <a:endParaRPr lang="en-US" dirty="0"/>
           </a:p>
@@ -3906,7 +3910,7 @@
             <a:fld id="{D57F1E4F-1CFF-5643-939E-217C01CDF565}" type="slidenum">
               <a:rPr lang="en-US" dirty="0"/>
               <a:pPr/>
-              <a:t>‹Nr.›</a:t>
+              <a:t>‹#›</a:t>
             </a:fld>
             <a:endParaRPr lang="en-US" dirty="0"/>
           </a:p>
@@ -4127,7 +4131,7 @@
           <a:ln/>
           <a:extLst>
             <a:ext uri="{91240B29-F687-4f45-9708-019B960494DF}">
-              <a14:hiddenLine xmlns="" xmlns:a14="http://schemas.microsoft.com/office/drawing/2010/main" w="9525">
+              <a14:hiddenLine xmlns:a14="http://schemas.microsoft.com/office/drawing/2010/main" xmlns="" w="9525">
                 <a:solidFill>
                   <a:srgbClr val="000000"/>
                 </a:solidFill>
@@ -4370,7 +4374,7 @@
             <a:fld id="{D57F1E4F-1CFF-5643-939E-217C01CDF565}" type="slidenum">
               <a:rPr lang="en-US" dirty="0"/>
               <a:pPr/>
-              <a:t>‹Nr.›</a:t>
+              <a:t>‹#›</a:t>
             </a:fld>
             <a:endParaRPr lang="en-US" dirty="0"/>
           </a:p>
@@ -4690,7 +4694,7 @@
             <a:fld id="{D57F1E4F-1CFF-5643-939E-217C01CDF565}" type="slidenum">
               <a:rPr lang="en-US" dirty="0"/>
               <a:pPr/>
-              <a:t>‹Nr.›</a:t>
+              <a:t>‹#›</a:t>
             </a:fld>
             <a:endParaRPr lang="en-US" dirty="0"/>
           </a:p>
@@ -4944,7 +4948,7 @@
             <a:fld id="{D57F1E4F-1CFF-5643-939E-217C01CDF565}" type="slidenum">
               <a:rPr lang="en-US" dirty="0"/>
               <a:pPr/>
-              <a:t>‹Nr.›</a:t>
+              <a:t>‹#›</a:t>
             </a:fld>
             <a:endParaRPr lang="en-US" dirty="0"/>
           </a:p>
@@ -5449,6 +5453,139 @@
 </p:sld>
 </file>
 
+<file path=ppt/slides/slide10.xml><?xml version="1.0" encoding="utf-8"?>
+<p:sld xmlns:a="http://schemas.openxmlformats.org/drawingml/2006/main" xmlns:r="http://schemas.openxmlformats.org/officeDocument/2006/relationships" xmlns:p="http://schemas.openxmlformats.org/presentationml/2006/main">
+  <p:cSld>
+    <p:spTree>
+      <p:nvGrpSpPr>
+        <p:cNvPr id="1" name=""/>
+        <p:cNvGrpSpPr/>
+        <p:nvPr/>
+      </p:nvGrpSpPr>
+      <p:grpSpPr>
+        <a:xfrm>
+          <a:off x="0" y="0"/>
+          <a:ext cx="0" cy="0"/>
+          <a:chOff x="0" y="0"/>
+          <a:chExt cx="0" cy="0"/>
+        </a:xfrm>
+      </p:grpSpPr>
+      <p:sp>
+        <p:nvSpPr>
+          <p:cNvPr id="2" name="Titel 1">
+            <a:extLst>
+              <a:ext uri="{FF2B5EF4-FFF2-40B4-BE49-F238E27FC236}">
+                <a16:creationId xmlns:a16="http://schemas.microsoft.com/office/drawing/2014/main" id="{1446F174-F937-4C29-A971-2E1DEC90C783}"/>
+              </a:ext>
+            </a:extLst>
+          </p:cNvPr>
+          <p:cNvSpPr>
+            <a:spLocks noGrp="1"/>
+          </p:cNvSpPr>
+          <p:nvPr>
+            <p:ph type="title"/>
+          </p:nvPr>
+        </p:nvSpPr>
+        <p:spPr/>
+        <p:txBody>
+          <a:bodyPr/>
+          <a:lstStyle/>
+          <a:p>
+            <a:r>
+              <a:rPr lang="de-CH" dirty="0"/>
+              <a:t>Eigenes </a:t>
+            </a:r>
+            <a:r>
+              <a:rPr lang="de-CH" dirty="0">
+                <a:solidFill>
+                  <a:srgbClr val="FFFF00"/>
+                </a:solidFill>
+              </a:rPr>
+              <a:t>TODO:</a:t>
+            </a:r>
+          </a:p>
+        </p:txBody>
+      </p:sp>
+      <p:sp>
+        <p:nvSpPr>
+          <p:cNvPr id="3" name="Inhaltsplatzhalter 2">
+            <a:extLst>
+              <a:ext uri="{FF2B5EF4-FFF2-40B4-BE49-F238E27FC236}">
+                <a16:creationId xmlns:a16="http://schemas.microsoft.com/office/drawing/2014/main" id="{4F3239A5-894B-4A23-AF59-2ABB803B34F9}"/>
+              </a:ext>
+            </a:extLst>
+          </p:cNvPr>
+          <p:cNvSpPr>
+            <a:spLocks noGrp="1"/>
+          </p:cNvSpPr>
+          <p:nvPr>
+            <p:ph idx="1"/>
+          </p:nvPr>
+        </p:nvSpPr>
+        <p:spPr/>
+        <p:txBody>
+          <a:bodyPr/>
+          <a:lstStyle/>
+          <a:p>
+            <a:r>
+              <a:rPr lang="de-CH" dirty="0"/>
+              <a:t>Repository aufräumen</a:t>
+            </a:r>
+          </a:p>
+          <a:p>
+            <a:r>
+              <a:rPr lang="de-CH" dirty="0"/>
+              <a:t>Code strukturieren / kommentieren</a:t>
+            </a:r>
+          </a:p>
+          <a:p>
+            <a:r>
+              <a:rPr lang="de-CH" dirty="0"/>
+              <a:t>Integration Gruppe 14 </a:t>
+            </a:r>
+            <a:r>
+              <a:rPr lang="de-CH" dirty="0" err="1"/>
+              <a:t>FeedCtrl</a:t>
+            </a:r>
+            <a:endParaRPr lang="de-CH" dirty="0"/>
+          </a:p>
+          <a:p>
+            <a:r>
+              <a:rPr lang="de-CH" dirty="0"/>
+              <a:t>Erneutes Meeting mit Gruppe 13 </a:t>
+            </a:r>
+            <a:r>
+              <a:rPr lang="de-CH" dirty="0" err="1"/>
+              <a:t>SneakerNet</a:t>
+            </a:r>
+            <a:r>
+              <a:rPr lang="de-CH" dirty="0"/>
+              <a:t> (und 1 </a:t>
+            </a:r>
+            <a:r>
+              <a:rPr lang="de-CH" dirty="0" err="1"/>
+              <a:t>devtodev</a:t>
+            </a:r>
+            <a:r>
+              <a:rPr lang="de-CH" dirty="0"/>
+              <a:t>)</a:t>
+            </a:r>
+          </a:p>
+        </p:txBody>
+      </p:sp>
+    </p:spTree>
+    <p:extLst>
+      <p:ext uri="{BB962C8B-B14F-4D97-AF65-F5344CB8AC3E}">
+        <p14:creationId xmlns:p14="http://schemas.microsoft.com/office/powerpoint/2010/main" val="872300987"/>
+      </p:ext>
+    </p:extLst>
+  </p:cSld>
+  <p:clrMapOvr>
+    <a:masterClrMapping/>
+  </p:clrMapOvr>
+</p:sld>
+</file>
+
 <file path=ppt/slides/slide2.xml><?xml version="1.0" encoding="utf-8"?>
 <p:sld xmlns:a="http://schemas.openxmlformats.org/drawingml/2006/main" xmlns:r="http://schemas.openxmlformats.org/officeDocument/2006/relationships" xmlns:p="http://schemas.openxmlformats.org/presentationml/2006/main">
   <p:cSld>
@@ -5488,20 +5625,8 @@
           <a:lstStyle/>
           <a:p>
             <a:r>
-              <a:rPr lang="en-US" dirty="0" err="1"/>
-              <a:t>Zur</a:t>
-            </a:r>
-            <a:r>
-              <a:rPr lang="en-US" dirty="0"/>
-              <a:t> </a:t>
-            </a:r>
-            <a:r>
-              <a:rPr lang="en-US" dirty="0" err="1"/>
-              <a:t>Erinnerung</a:t>
-            </a:r>
-            <a:r>
-              <a:rPr lang="en-US" dirty="0"/>
-              <a:t>: Unser </a:t>
+              <a:rPr lang="en-US" dirty="0"/>
+              <a:t>Unser </a:t>
             </a:r>
             <a:r>
               <a:rPr lang="en-US" dirty="0" err="1"/>
@@ -5513,62 +5638,661 @@
       </p:sp>
       <p:sp>
         <p:nvSpPr>
-          <p:cNvPr id="8" name="Inhaltsplatzhalter 2">
+          <p:cNvPr id="4" name="Rectangle 3">
             <a:extLst>
               <a:ext uri="{FF2B5EF4-FFF2-40B4-BE49-F238E27FC236}">
-                <a16:creationId xmlns:a16="http://schemas.microsoft.com/office/drawing/2014/main" id="{85170C5E-3B26-46F7-A33D-C8A2DAE5A3B1}"/>
+                <a16:creationId xmlns:a16="http://schemas.microsoft.com/office/drawing/2014/main" id="{37912668-AA4B-49B9-AD27-D50F2B6B8ECA}"/>
               </a:ext>
             </a:extLst>
           </p:cNvPr>
-          <p:cNvSpPr>
-            <a:spLocks noGrp="1"/>
-          </p:cNvSpPr>
-          <p:nvPr>
-            <p:ph idx="1"/>
-          </p:nvPr>
+          <p:cNvSpPr/>
+          <p:nvPr/>
         </p:nvSpPr>
         <p:spPr>
           <a:xfrm>
-            <a:off x="818712" y="2222287"/>
-            <a:ext cx="10554574" cy="3636511"/>
-          </a:xfrm>
-        </p:spPr>
-        <p:txBody>
-          <a:bodyPr/>
-          <a:lstStyle/>
-          <a:p>
-            <a:pPr marL="0" indent="0">
-              <a:buNone/>
-            </a:pPr>
-            <a:endParaRPr lang="de-CH" dirty="0"/>
-          </a:p>
-          <a:p>
-            <a:r>
-              <a:rPr lang="de-CH" dirty="0"/>
-              <a:t>Schnittstelle Gruppe 13 / 7</a:t>
-            </a:r>
-          </a:p>
-          <a:p>
-            <a:r>
-              <a:rPr lang="de-CH" dirty="0"/>
-              <a:t>Import / Export</a:t>
-            </a:r>
-          </a:p>
-          <a:p>
-            <a:r>
-              <a:rPr lang="de-CH" dirty="0"/>
-              <a:t>PCAP : Eventliste</a:t>
-            </a:r>
-          </a:p>
-          <a:p>
-            <a:endParaRPr lang="de-CH" dirty="0"/>
+            <a:off x="810000" y="2422564"/>
+            <a:ext cx="3135086" cy="697675"/>
+          </a:xfrm>
+          <a:prstGeom prst="rect">
+            <a:avLst/>
+          </a:prstGeom>
+          <a:solidFill>
+            <a:schemeClr val="tx2"/>
+          </a:solidFill>
+        </p:spPr>
+        <p:style>
+          <a:lnRef idx="3">
+            <a:schemeClr val="lt1"/>
+          </a:lnRef>
+          <a:fillRef idx="1">
+            <a:schemeClr val="dk1"/>
+          </a:fillRef>
+          <a:effectRef idx="1">
+            <a:schemeClr val="dk1"/>
+          </a:effectRef>
+          <a:fontRef idx="minor">
+            <a:schemeClr val="lt1"/>
+          </a:fontRef>
+        </p:style>
+        <p:txBody>
+          <a:bodyPr rtlCol="0" anchor="ctr"/>
+          <a:lstStyle/>
+          <a:p>
+            <a:pPr algn="ctr"/>
+            <a:r>
+              <a:rPr lang="en-US" dirty="0" err="1"/>
+              <a:t>Applikationsschicht</a:t>
+            </a:r>
+            <a:endParaRPr lang="en-DE" dirty="0"/>
+          </a:p>
+        </p:txBody>
+      </p:sp>
+      <p:sp>
+        <p:nvSpPr>
+          <p:cNvPr id="6" name="Rectangle 5">
+            <a:extLst>
+              <a:ext uri="{FF2B5EF4-FFF2-40B4-BE49-F238E27FC236}">
+                <a16:creationId xmlns:a16="http://schemas.microsoft.com/office/drawing/2014/main" id="{F5996793-D831-486C-BEAA-C1E97EEB5364}"/>
+              </a:ext>
+            </a:extLst>
+          </p:cNvPr>
+          <p:cNvSpPr/>
+          <p:nvPr/>
+        </p:nvSpPr>
+        <p:spPr>
+          <a:xfrm>
+            <a:off x="810000" y="3273630"/>
+            <a:ext cx="3135086" cy="697675"/>
+          </a:xfrm>
+          <a:prstGeom prst="rect">
+            <a:avLst/>
+          </a:prstGeom>
+        </p:spPr>
+        <p:style>
+          <a:lnRef idx="2">
+            <a:schemeClr val="accent1">
+              <a:shade val="50000"/>
+            </a:schemeClr>
+          </a:lnRef>
+          <a:fillRef idx="1">
+            <a:schemeClr val="accent1"/>
+          </a:fillRef>
+          <a:effectRef idx="0">
+            <a:schemeClr val="accent1"/>
+          </a:effectRef>
+          <a:fontRef idx="minor">
+            <a:schemeClr val="lt1"/>
+          </a:fontRef>
+        </p:style>
+        <p:txBody>
+          <a:bodyPr rtlCol="0" anchor="ctr"/>
+          <a:lstStyle/>
+          <a:p>
+            <a:pPr algn="ctr"/>
+            <a:r>
+              <a:rPr lang="en-US" dirty="0" err="1"/>
+              <a:t>Datenbank</a:t>
+            </a:r>
+            <a:endParaRPr lang="en-DE" dirty="0"/>
+          </a:p>
+        </p:txBody>
+      </p:sp>
+      <p:sp>
+        <p:nvSpPr>
+          <p:cNvPr id="8" name="Rectangle 7">
+            <a:extLst>
+              <a:ext uri="{FF2B5EF4-FFF2-40B4-BE49-F238E27FC236}">
+                <a16:creationId xmlns:a16="http://schemas.microsoft.com/office/drawing/2014/main" id="{ABBEEAB1-B8E9-4B23-80F7-E45D089E6CAD}"/>
+              </a:ext>
+            </a:extLst>
+          </p:cNvPr>
+          <p:cNvSpPr/>
+          <p:nvPr/>
+        </p:nvSpPr>
+        <p:spPr>
+          <a:xfrm>
+            <a:off x="810000" y="4124696"/>
+            <a:ext cx="3135086" cy="1545772"/>
+          </a:xfrm>
+          <a:prstGeom prst="rect">
+            <a:avLst/>
+          </a:prstGeom>
+        </p:spPr>
+        <p:style>
+          <a:lnRef idx="2">
+            <a:schemeClr val="accent1">
+              <a:shade val="50000"/>
+            </a:schemeClr>
+          </a:lnRef>
+          <a:fillRef idx="1">
+            <a:schemeClr val="accent1"/>
+          </a:fillRef>
+          <a:effectRef idx="0">
+            <a:schemeClr val="accent1"/>
+          </a:effectRef>
+          <a:fontRef idx="minor">
+            <a:schemeClr val="lt1"/>
+          </a:fontRef>
+        </p:style>
+        <p:txBody>
+          <a:bodyPr rtlCol="0" anchor="ctr"/>
+          <a:lstStyle/>
+          <a:p>
+            <a:pPr algn="ctr"/>
+            <a:r>
+              <a:rPr lang="en-US" dirty="0" err="1"/>
+              <a:t>logMerge</a:t>
+            </a:r>
+            <a:endParaRPr lang="en-US" dirty="0"/>
+          </a:p>
+          <a:p>
+            <a:pPr algn="ctr"/>
+            <a:endParaRPr lang="en-US" dirty="0"/>
+          </a:p>
+          <a:p>
+            <a:pPr algn="ctr"/>
+            <a:endParaRPr lang="en-US" dirty="0"/>
+          </a:p>
+          <a:p>
+            <a:pPr algn="ctr"/>
+            <a:endParaRPr lang="en-DE" dirty="0"/>
+          </a:p>
+        </p:txBody>
+      </p:sp>
+      <p:sp>
+        <p:nvSpPr>
+          <p:cNvPr id="12" name="Rectangle 11">
+            <a:extLst>
+              <a:ext uri="{FF2B5EF4-FFF2-40B4-BE49-F238E27FC236}">
+                <a16:creationId xmlns:a16="http://schemas.microsoft.com/office/drawing/2014/main" id="{15A800E9-C0A3-4B9B-92EC-4B273E5EDAD5}"/>
+              </a:ext>
+            </a:extLst>
+          </p:cNvPr>
+          <p:cNvSpPr/>
+          <p:nvPr/>
+        </p:nvSpPr>
+        <p:spPr>
+          <a:xfrm>
+            <a:off x="810000" y="5826828"/>
+            <a:ext cx="3135086" cy="697675"/>
+          </a:xfrm>
+          <a:prstGeom prst="rect">
+            <a:avLst/>
+          </a:prstGeom>
+        </p:spPr>
+        <p:style>
+          <a:lnRef idx="2">
+            <a:schemeClr val="accent1">
+              <a:shade val="50000"/>
+            </a:schemeClr>
+          </a:lnRef>
+          <a:fillRef idx="1">
+            <a:schemeClr val="accent1"/>
+          </a:fillRef>
+          <a:effectRef idx="0">
+            <a:schemeClr val="accent1"/>
+          </a:effectRef>
+          <a:fontRef idx="minor">
+            <a:schemeClr val="lt1"/>
+          </a:fontRef>
+        </p:style>
+        <p:txBody>
+          <a:bodyPr rtlCol="0" anchor="ctr"/>
+          <a:lstStyle/>
+          <a:p>
+            <a:pPr algn="ctr"/>
+            <a:r>
+              <a:rPr lang="en-US" dirty="0" err="1"/>
+              <a:t>Transportschicht</a:t>
+            </a:r>
+            <a:endParaRPr lang="en-DE" dirty="0"/>
+          </a:p>
+        </p:txBody>
+      </p:sp>
+      <p:sp>
+        <p:nvSpPr>
+          <p:cNvPr id="13" name="Rectangle 12">
+            <a:extLst>
+              <a:ext uri="{FF2B5EF4-FFF2-40B4-BE49-F238E27FC236}">
+                <a16:creationId xmlns:a16="http://schemas.microsoft.com/office/drawing/2014/main" id="{6E4BD40D-1A65-4D28-AF74-BABF384B2B63}"/>
+              </a:ext>
+            </a:extLst>
+          </p:cNvPr>
+          <p:cNvSpPr/>
+          <p:nvPr/>
+        </p:nvSpPr>
+        <p:spPr>
+          <a:xfrm>
+            <a:off x="1497529" y="5002481"/>
+            <a:ext cx="1760027" cy="427512"/>
+          </a:xfrm>
+          <a:prstGeom prst="rect">
+            <a:avLst/>
+          </a:prstGeom>
+        </p:spPr>
+        <p:style>
+          <a:lnRef idx="2">
+            <a:schemeClr val="accent2">
+              <a:shade val="50000"/>
+            </a:schemeClr>
+          </a:lnRef>
+          <a:fillRef idx="1">
+            <a:schemeClr val="accent2"/>
+          </a:fillRef>
+          <a:effectRef idx="0">
+            <a:schemeClr val="accent2"/>
+          </a:effectRef>
+          <a:fontRef idx="minor">
+            <a:schemeClr val="lt1"/>
+          </a:fontRef>
+        </p:style>
+        <p:txBody>
+          <a:bodyPr rtlCol="0" anchor="ctr"/>
+          <a:lstStyle/>
+          <a:p>
+            <a:pPr algn="ctr"/>
+            <a:r>
+              <a:rPr lang="en-US" dirty="0" err="1"/>
+              <a:t>feedCtrl</a:t>
+            </a:r>
+            <a:endParaRPr lang="en-DE" dirty="0"/>
+          </a:p>
+        </p:txBody>
+      </p:sp>
+      <p:sp>
+        <p:nvSpPr>
+          <p:cNvPr id="14" name="TextBox 13">
+            <a:extLst>
+              <a:ext uri="{FF2B5EF4-FFF2-40B4-BE49-F238E27FC236}">
+                <a16:creationId xmlns:a16="http://schemas.microsoft.com/office/drawing/2014/main" id="{E0DE8160-CEAA-401A-9B99-8B76162E1874}"/>
+              </a:ext>
+            </a:extLst>
+          </p:cNvPr>
+          <p:cNvSpPr txBox="1"/>
+          <p:nvPr/>
+        </p:nvSpPr>
+        <p:spPr>
+          <a:xfrm>
+            <a:off x="4079174" y="2422564"/>
+            <a:ext cx="3722914" cy="646331"/>
+          </a:xfrm>
+          <a:prstGeom prst="rect">
+            <a:avLst/>
+          </a:prstGeom>
+          <a:noFill/>
+        </p:spPr>
+        <p:txBody>
+          <a:bodyPr wrap="square" rtlCol="0">
+            <a:spAutoFit/>
+          </a:bodyPr>
+          <a:lstStyle/>
+          <a:p>
+            <a:r>
+              <a:rPr lang="en-US" dirty="0"/>
+              <a:t>User - GUI –</a:t>
+            </a:r>
+            <a:r>
+              <a:rPr lang="en-US" dirty="0" err="1"/>
+              <a:t>Projekte</a:t>
+            </a:r>
+            <a:endParaRPr lang="en-US" dirty="0"/>
+          </a:p>
+          <a:p>
+            <a:r>
+              <a:rPr lang="en-US" dirty="0"/>
+              <a:t>Chat etc.</a:t>
+            </a:r>
+            <a:endParaRPr lang="en-DE" dirty="0"/>
+          </a:p>
+        </p:txBody>
+      </p:sp>
+      <p:sp>
+        <p:nvSpPr>
+          <p:cNvPr id="16" name="TextBox 15">
+            <a:extLst>
+              <a:ext uri="{FF2B5EF4-FFF2-40B4-BE49-F238E27FC236}">
+                <a16:creationId xmlns:a16="http://schemas.microsoft.com/office/drawing/2014/main" id="{12FD038A-ABC3-45ED-AAAF-E7C567782071}"/>
+              </a:ext>
+            </a:extLst>
+          </p:cNvPr>
+          <p:cNvSpPr txBox="1"/>
+          <p:nvPr/>
+        </p:nvSpPr>
+        <p:spPr>
+          <a:xfrm>
+            <a:off x="4079174" y="3437801"/>
+            <a:ext cx="3722914" cy="369332"/>
+          </a:xfrm>
+          <a:prstGeom prst="rect">
+            <a:avLst/>
+          </a:prstGeom>
+          <a:noFill/>
+        </p:spPr>
+        <p:txBody>
+          <a:bodyPr wrap="square" rtlCol="0">
+            <a:spAutoFit/>
+          </a:bodyPr>
+          <a:lstStyle/>
+          <a:p>
+            <a:r>
+              <a:rPr lang="en-US" dirty="0"/>
+              <a:t>Gruppe 7</a:t>
+            </a:r>
+            <a:endParaRPr lang="en-DE" dirty="0"/>
+          </a:p>
+        </p:txBody>
+      </p:sp>
+      <p:sp>
+        <p:nvSpPr>
+          <p:cNvPr id="20" name="TextBox 19">
+            <a:extLst>
+              <a:ext uri="{FF2B5EF4-FFF2-40B4-BE49-F238E27FC236}">
+                <a16:creationId xmlns:a16="http://schemas.microsoft.com/office/drawing/2014/main" id="{EF915D59-F6C3-41F9-A421-5F9F6EBD1667}"/>
+              </a:ext>
+            </a:extLst>
+          </p:cNvPr>
+          <p:cNvSpPr txBox="1"/>
+          <p:nvPr/>
+        </p:nvSpPr>
+        <p:spPr>
+          <a:xfrm>
+            <a:off x="4079174" y="5878172"/>
+            <a:ext cx="3722914" cy="646331"/>
+          </a:xfrm>
+          <a:prstGeom prst="rect">
+            <a:avLst/>
+          </a:prstGeom>
+          <a:noFill/>
+        </p:spPr>
+        <p:txBody>
+          <a:bodyPr wrap="square" rtlCol="0">
+            <a:spAutoFit/>
+          </a:bodyPr>
+          <a:lstStyle/>
+          <a:p>
+            <a:r>
+              <a:rPr lang="en-US" dirty="0" err="1"/>
+              <a:t>Senden</a:t>
+            </a:r>
+            <a:r>
+              <a:rPr lang="en-US" dirty="0"/>
+              <a:t> der .</a:t>
+            </a:r>
+            <a:r>
+              <a:rPr lang="en-US" dirty="0" err="1"/>
+              <a:t>pcap-Pakete</a:t>
+            </a:r>
+            <a:endParaRPr lang="en-US" dirty="0"/>
+          </a:p>
+          <a:p>
+            <a:r>
+              <a:rPr lang="en-US" dirty="0"/>
+              <a:t>(Gruppen 1 und 13)</a:t>
+            </a:r>
+            <a:endParaRPr lang="en-DE" dirty="0"/>
+          </a:p>
+        </p:txBody>
+      </p:sp>
+      <p:sp>
+        <p:nvSpPr>
+          <p:cNvPr id="29" name="Arrow: Up-Down 28">
+            <a:extLst>
+              <a:ext uri="{FF2B5EF4-FFF2-40B4-BE49-F238E27FC236}">
+                <a16:creationId xmlns:a16="http://schemas.microsoft.com/office/drawing/2014/main" id="{8121CB05-ED94-45EC-AFE6-A79BA3E9FFDF}"/>
+              </a:ext>
+            </a:extLst>
+          </p:cNvPr>
+          <p:cNvSpPr/>
+          <p:nvPr/>
+        </p:nvSpPr>
+        <p:spPr>
+          <a:xfrm>
+            <a:off x="3636328" y="5496795"/>
+            <a:ext cx="170953" cy="549233"/>
+          </a:xfrm>
+          <a:prstGeom prst="upDownArrow">
+            <a:avLst/>
+          </a:prstGeom>
+        </p:spPr>
+        <p:style>
+          <a:lnRef idx="2">
+            <a:schemeClr val="accent3">
+              <a:shade val="50000"/>
+            </a:schemeClr>
+          </a:lnRef>
+          <a:fillRef idx="1">
+            <a:schemeClr val="accent3"/>
+          </a:fillRef>
+          <a:effectRef idx="0">
+            <a:schemeClr val="accent3"/>
+          </a:effectRef>
+          <a:fontRef idx="minor">
+            <a:schemeClr val="lt1"/>
+          </a:fontRef>
+        </p:style>
+        <p:txBody>
+          <a:bodyPr rtlCol="0" anchor="ctr"/>
+          <a:lstStyle/>
+          <a:p>
+            <a:pPr algn="ctr"/>
+            <a:endParaRPr lang="en-DE"/>
+          </a:p>
+        </p:txBody>
+      </p:sp>
+      <p:sp>
+        <p:nvSpPr>
+          <p:cNvPr id="31" name="Arrow: Up-Down 30">
+            <a:extLst>
+              <a:ext uri="{FF2B5EF4-FFF2-40B4-BE49-F238E27FC236}">
+                <a16:creationId xmlns:a16="http://schemas.microsoft.com/office/drawing/2014/main" id="{D75A887D-9C0F-425C-A9C3-3DEE8E63BD76}"/>
+              </a:ext>
+            </a:extLst>
+          </p:cNvPr>
+          <p:cNvSpPr/>
+          <p:nvPr/>
+        </p:nvSpPr>
+        <p:spPr>
+          <a:xfrm>
+            <a:off x="3636328" y="3782788"/>
+            <a:ext cx="170953" cy="549233"/>
+          </a:xfrm>
+          <a:prstGeom prst="upDownArrow">
+            <a:avLst/>
+          </a:prstGeom>
+        </p:spPr>
+        <p:style>
+          <a:lnRef idx="2">
+            <a:schemeClr val="accent3">
+              <a:shade val="50000"/>
+            </a:schemeClr>
+          </a:lnRef>
+          <a:fillRef idx="1">
+            <a:schemeClr val="accent3"/>
+          </a:fillRef>
+          <a:effectRef idx="0">
+            <a:schemeClr val="accent3"/>
+          </a:effectRef>
+          <a:fontRef idx="minor">
+            <a:schemeClr val="lt1"/>
+          </a:fontRef>
+        </p:style>
+        <p:txBody>
+          <a:bodyPr rtlCol="0" anchor="ctr"/>
+          <a:lstStyle/>
+          <a:p>
+            <a:pPr algn="ctr"/>
+            <a:endParaRPr lang="en-DE"/>
+          </a:p>
+        </p:txBody>
+      </p:sp>
+      <p:sp>
+        <p:nvSpPr>
+          <p:cNvPr id="33" name="TextBox 32">
+            <a:extLst>
+              <a:ext uri="{FF2B5EF4-FFF2-40B4-BE49-F238E27FC236}">
+                <a16:creationId xmlns:a16="http://schemas.microsoft.com/office/drawing/2014/main" id="{BEE7E9DC-C9A5-499B-96CC-A2093E44D278}"/>
+              </a:ext>
+            </a:extLst>
+          </p:cNvPr>
+          <p:cNvSpPr txBox="1"/>
+          <p:nvPr/>
+        </p:nvSpPr>
+        <p:spPr>
+          <a:xfrm>
+            <a:off x="4079174" y="5031571"/>
+            <a:ext cx="3722914" cy="369332"/>
+          </a:xfrm>
+          <a:prstGeom prst="rect">
+            <a:avLst/>
+          </a:prstGeom>
+          <a:noFill/>
+        </p:spPr>
+        <p:txBody>
+          <a:bodyPr wrap="square" rtlCol="0">
+            <a:spAutoFit/>
+          </a:bodyPr>
+          <a:lstStyle/>
+          <a:p>
+            <a:r>
+              <a:rPr lang="en-US" dirty="0"/>
+              <a:t>Gruppe 14</a:t>
+            </a:r>
+            <a:endParaRPr lang="en-DE" dirty="0"/>
+          </a:p>
+        </p:txBody>
+      </p:sp>
+      <p:sp>
+        <p:nvSpPr>
+          <p:cNvPr id="35" name="TextBox 34">
+            <a:extLst>
+              <a:ext uri="{FF2B5EF4-FFF2-40B4-BE49-F238E27FC236}">
+                <a16:creationId xmlns:a16="http://schemas.microsoft.com/office/drawing/2014/main" id="{3B688864-CDB5-4804-BC8E-90F6BCC4235C}"/>
+              </a:ext>
+            </a:extLst>
+          </p:cNvPr>
+          <p:cNvSpPr txBox="1"/>
+          <p:nvPr/>
+        </p:nvSpPr>
+        <p:spPr>
+          <a:xfrm>
+            <a:off x="4079174" y="4332021"/>
+            <a:ext cx="3722914" cy="369332"/>
+          </a:xfrm>
+          <a:prstGeom prst="rect">
+            <a:avLst/>
+          </a:prstGeom>
+          <a:noFill/>
+        </p:spPr>
+        <p:txBody>
+          <a:bodyPr wrap="square" rtlCol="0">
+            <a:spAutoFit/>
+          </a:bodyPr>
+          <a:lstStyle/>
+          <a:p>
+            <a:r>
+              <a:rPr lang="en-US" dirty="0" err="1"/>
+              <a:t>Wir</a:t>
+            </a:r>
+            <a:endParaRPr lang="en-DE" dirty="0"/>
+          </a:p>
+        </p:txBody>
+      </p:sp>
+      <p:sp>
+        <p:nvSpPr>
+          <p:cNvPr id="37" name="Arrow: Up-Down 36">
+            <a:extLst>
+              <a:ext uri="{FF2B5EF4-FFF2-40B4-BE49-F238E27FC236}">
+                <a16:creationId xmlns:a16="http://schemas.microsoft.com/office/drawing/2014/main" id="{D64FF4F1-7ADC-4A4D-9957-008E067ABBEB}"/>
+              </a:ext>
+            </a:extLst>
+          </p:cNvPr>
+          <p:cNvSpPr/>
+          <p:nvPr/>
+        </p:nvSpPr>
+        <p:spPr>
+          <a:xfrm>
+            <a:off x="3061854" y="5277591"/>
+            <a:ext cx="119993" cy="316677"/>
+          </a:xfrm>
+          <a:prstGeom prst="upDownArrow">
+            <a:avLst/>
+          </a:prstGeom>
+        </p:spPr>
+        <p:style>
+          <a:lnRef idx="2">
+            <a:schemeClr val="accent6">
+              <a:shade val="50000"/>
+            </a:schemeClr>
+          </a:lnRef>
+          <a:fillRef idx="1">
+            <a:schemeClr val="accent6"/>
+          </a:fillRef>
+          <a:effectRef idx="0">
+            <a:schemeClr val="accent6"/>
+          </a:effectRef>
+          <a:fontRef idx="minor">
+            <a:schemeClr val="lt1"/>
+          </a:fontRef>
+        </p:style>
+        <p:txBody>
+          <a:bodyPr rtlCol="0" anchor="ctr"/>
+          <a:lstStyle/>
+          <a:p>
+            <a:pPr algn="ctr"/>
+            <a:endParaRPr lang="en-DE"/>
+          </a:p>
+        </p:txBody>
+      </p:sp>
+      <p:sp>
+        <p:nvSpPr>
+          <p:cNvPr id="39" name="Arrow: Up-Down 38">
+            <a:extLst>
+              <a:ext uri="{FF2B5EF4-FFF2-40B4-BE49-F238E27FC236}">
+                <a16:creationId xmlns:a16="http://schemas.microsoft.com/office/drawing/2014/main" id="{8065D02A-9C7D-402F-873F-8DE742D6A918}"/>
+              </a:ext>
+            </a:extLst>
+          </p:cNvPr>
+          <p:cNvSpPr/>
+          <p:nvPr/>
+        </p:nvSpPr>
+        <p:spPr>
+          <a:xfrm>
+            <a:off x="3061854" y="4846121"/>
+            <a:ext cx="119993" cy="316677"/>
+          </a:xfrm>
+          <a:prstGeom prst="upDownArrow">
+            <a:avLst/>
+          </a:prstGeom>
+        </p:spPr>
+        <p:style>
+          <a:lnRef idx="2">
+            <a:schemeClr val="accent6">
+              <a:shade val="50000"/>
+            </a:schemeClr>
+          </a:lnRef>
+          <a:fillRef idx="1">
+            <a:schemeClr val="accent6"/>
+          </a:fillRef>
+          <a:effectRef idx="0">
+            <a:schemeClr val="accent6"/>
+          </a:effectRef>
+          <a:fontRef idx="minor">
+            <a:schemeClr val="lt1"/>
+          </a:fontRef>
+        </p:style>
+        <p:txBody>
+          <a:bodyPr rtlCol="0" anchor="ctr"/>
+          <a:lstStyle/>
+          <a:p>
+            <a:pPr algn="ctr"/>
+            <a:endParaRPr lang="en-DE"/>
           </a:p>
         </p:txBody>
       </p:sp>
     </p:spTree>
     <p:extLst>
       <p:ext uri="{BB962C8B-B14F-4D97-AF65-F5344CB8AC3E}">
-        <p14:creationId xmlns:p14="http://schemas.microsoft.com/office/powerpoint/2010/main" val="369207909"/>
+        <p14:creationId xmlns:p14="http://schemas.microsoft.com/office/powerpoint/2010/main" val="2243666682"/>
       </p:ext>
     </p:extLst>
   </p:cSld>
@@ -5597,10 +6321,10 @@
       </p:grpSpPr>
       <p:sp>
         <p:nvSpPr>
-          <p:cNvPr id="2" name="Titel 1">
+          <p:cNvPr id="2" name="Title 1">
             <a:extLst>
               <a:ext uri="{FF2B5EF4-FFF2-40B4-BE49-F238E27FC236}">
-                <a16:creationId xmlns:a16="http://schemas.microsoft.com/office/drawing/2014/main" id="{32A31E6A-2B28-4B23-AC30-63F9D273D7DD}"/>
+                <a16:creationId xmlns:a16="http://schemas.microsoft.com/office/drawing/2014/main" id="{0741925B-7AAD-4C3F-AD46-08A0FCE63F67}"/>
               </a:ext>
             </a:extLst>
           </p:cNvPr>
@@ -5617,67 +6341,618 @@
           <a:lstStyle/>
           <a:p>
             <a:r>
-              <a:rPr lang="de-CH" dirty="0"/>
-              <a:t>Was läuft jetzt</a:t>
-            </a:r>
-          </a:p>
-        </p:txBody>
-      </p:sp>
-      <p:sp>
-        <p:nvSpPr>
-          <p:cNvPr id="3" name="Inhaltsplatzhalter 2">
+              <a:rPr lang="en-US" dirty="0" err="1"/>
+              <a:t>Beispielablauf</a:t>
+            </a:r>
+            <a:endParaRPr lang="en-DE" dirty="0"/>
+          </a:p>
+        </p:txBody>
+      </p:sp>
+      <p:sp>
+        <p:nvSpPr>
+          <p:cNvPr id="6" name="Rectangle 5">
             <a:extLst>
               <a:ext uri="{FF2B5EF4-FFF2-40B4-BE49-F238E27FC236}">
-                <a16:creationId xmlns:a16="http://schemas.microsoft.com/office/drawing/2014/main" id="{FCEF558E-2BDD-46BC-BA41-63FA390699D1}"/>
+                <a16:creationId xmlns:a16="http://schemas.microsoft.com/office/drawing/2014/main" id="{F5996793-D831-486C-BEAA-C1E97EEB5364}"/>
               </a:ext>
             </a:extLst>
           </p:cNvPr>
-          <p:cNvSpPr>
-            <a:spLocks noGrp="1"/>
-          </p:cNvSpPr>
-          <p:nvPr>
-            <p:ph idx="1"/>
-          </p:nvPr>
-        </p:nvSpPr>
-        <p:spPr/>
-        <p:txBody>
-          <a:bodyPr/>
-          <a:lstStyle/>
-          <a:p>
-            <a:r>
-              <a:rPr lang="de-CH" dirty="0"/>
-              <a:t>Schnittstellen Gruppe 7 </a:t>
-            </a:r>
-            <a:r>
-              <a:rPr lang="de-CH" dirty="0" err="1"/>
-              <a:t>logStore</a:t>
-            </a:r>
-            <a:endParaRPr lang="de-CH" dirty="0"/>
-          </a:p>
-          <a:p>
-            <a:r>
-              <a:rPr lang="de-CH" dirty="0"/>
-              <a:t>Import / Export </a:t>
-            </a:r>
-          </a:p>
-          <a:p>
-            <a:r>
-              <a:rPr lang="de-CH" dirty="0"/>
-              <a:t>PCAP lesen / schreiben</a:t>
-            </a:r>
-          </a:p>
-          <a:p>
-            <a:r>
-              <a:rPr lang="de-CH" dirty="0"/>
-              <a:t>Signaturen (ED25519 / HMAC, noch weitere folgen..)</a:t>
-            </a:r>
+          <p:cNvSpPr/>
+          <p:nvPr/>
+        </p:nvSpPr>
+        <p:spPr>
+          <a:xfrm>
+            <a:off x="810000" y="2731325"/>
+            <a:ext cx="3135086" cy="697675"/>
+          </a:xfrm>
+          <a:prstGeom prst="rect">
+            <a:avLst/>
+          </a:prstGeom>
+        </p:spPr>
+        <p:style>
+          <a:lnRef idx="2">
+            <a:schemeClr val="accent1">
+              <a:shade val="50000"/>
+            </a:schemeClr>
+          </a:lnRef>
+          <a:fillRef idx="1">
+            <a:schemeClr val="accent1"/>
+          </a:fillRef>
+          <a:effectRef idx="0">
+            <a:schemeClr val="accent1"/>
+          </a:effectRef>
+          <a:fontRef idx="minor">
+            <a:schemeClr val="lt1"/>
+          </a:fontRef>
+        </p:style>
+        <p:txBody>
+          <a:bodyPr rtlCol="0" anchor="ctr"/>
+          <a:lstStyle/>
+          <a:p>
+            <a:pPr algn="ctr"/>
+            <a:r>
+              <a:rPr lang="en-US" dirty="0" err="1"/>
+              <a:t>Datenbank</a:t>
+            </a:r>
+            <a:endParaRPr lang="en-DE" dirty="0"/>
+          </a:p>
+        </p:txBody>
+      </p:sp>
+      <p:sp>
+        <p:nvSpPr>
+          <p:cNvPr id="8" name="Rectangle 7">
+            <a:extLst>
+              <a:ext uri="{FF2B5EF4-FFF2-40B4-BE49-F238E27FC236}">
+                <a16:creationId xmlns:a16="http://schemas.microsoft.com/office/drawing/2014/main" id="{ABBEEAB1-B8E9-4B23-80F7-E45D089E6CAD}"/>
+              </a:ext>
+            </a:extLst>
+          </p:cNvPr>
+          <p:cNvSpPr/>
+          <p:nvPr/>
+        </p:nvSpPr>
+        <p:spPr>
+          <a:xfrm>
+            <a:off x="810000" y="3582391"/>
+            <a:ext cx="3135086" cy="1545772"/>
+          </a:xfrm>
+          <a:prstGeom prst="rect">
+            <a:avLst/>
+          </a:prstGeom>
+        </p:spPr>
+        <p:style>
+          <a:lnRef idx="2">
+            <a:schemeClr val="accent1">
+              <a:shade val="50000"/>
+            </a:schemeClr>
+          </a:lnRef>
+          <a:fillRef idx="1">
+            <a:schemeClr val="accent1"/>
+          </a:fillRef>
+          <a:effectRef idx="0">
+            <a:schemeClr val="accent1"/>
+          </a:effectRef>
+          <a:fontRef idx="minor">
+            <a:schemeClr val="lt1"/>
+          </a:fontRef>
+        </p:style>
+        <p:txBody>
+          <a:bodyPr rtlCol="0" anchor="ctr"/>
+          <a:lstStyle/>
+          <a:p>
+            <a:pPr algn="ctr"/>
+            <a:r>
+              <a:rPr lang="en-US" dirty="0" err="1"/>
+              <a:t>logMerge</a:t>
+            </a:r>
+            <a:endParaRPr lang="en-US" dirty="0"/>
+          </a:p>
+          <a:p>
+            <a:pPr algn="ctr"/>
+            <a:endParaRPr lang="en-US" dirty="0"/>
+          </a:p>
+          <a:p>
+            <a:pPr algn="ctr"/>
+            <a:endParaRPr lang="en-US" dirty="0"/>
+          </a:p>
+          <a:p>
+            <a:pPr algn="ctr"/>
+            <a:endParaRPr lang="en-DE" dirty="0"/>
+          </a:p>
+        </p:txBody>
+      </p:sp>
+      <p:sp>
+        <p:nvSpPr>
+          <p:cNvPr id="12" name="Rectangle 11">
+            <a:extLst>
+              <a:ext uri="{FF2B5EF4-FFF2-40B4-BE49-F238E27FC236}">
+                <a16:creationId xmlns:a16="http://schemas.microsoft.com/office/drawing/2014/main" id="{15A800E9-C0A3-4B9B-92EC-4B273E5EDAD5}"/>
+              </a:ext>
+            </a:extLst>
+          </p:cNvPr>
+          <p:cNvSpPr/>
+          <p:nvPr/>
+        </p:nvSpPr>
+        <p:spPr>
+          <a:xfrm>
+            <a:off x="810000" y="5284523"/>
+            <a:ext cx="3135086" cy="697675"/>
+          </a:xfrm>
+          <a:prstGeom prst="rect">
+            <a:avLst/>
+          </a:prstGeom>
+        </p:spPr>
+        <p:style>
+          <a:lnRef idx="2">
+            <a:schemeClr val="accent1">
+              <a:shade val="50000"/>
+            </a:schemeClr>
+          </a:lnRef>
+          <a:fillRef idx="1">
+            <a:schemeClr val="accent1"/>
+          </a:fillRef>
+          <a:effectRef idx="0">
+            <a:schemeClr val="accent1"/>
+          </a:effectRef>
+          <a:fontRef idx="minor">
+            <a:schemeClr val="lt1"/>
+          </a:fontRef>
+        </p:style>
+        <p:txBody>
+          <a:bodyPr rtlCol="0" anchor="ctr"/>
+          <a:lstStyle/>
+          <a:p>
+            <a:pPr algn="ctr"/>
+            <a:r>
+              <a:rPr lang="en-US" dirty="0" err="1"/>
+              <a:t>Transportschicht</a:t>
+            </a:r>
+            <a:endParaRPr lang="en-DE" dirty="0"/>
+          </a:p>
+        </p:txBody>
+      </p:sp>
+      <p:sp>
+        <p:nvSpPr>
+          <p:cNvPr id="13" name="Rectangle 12">
+            <a:extLst>
+              <a:ext uri="{FF2B5EF4-FFF2-40B4-BE49-F238E27FC236}">
+                <a16:creationId xmlns:a16="http://schemas.microsoft.com/office/drawing/2014/main" id="{6E4BD40D-1A65-4D28-AF74-BABF384B2B63}"/>
+              </a:ext>
+            </a:extLst>
+          </p:cNvPr>
+          <p:cNvSpPr/>
+          <p:nvPr/>
+        </p:nvSpPr>
+        <p:spPr>
+          <a:xfrm>
+            <a:off x="1497529" y="4460176"/>
+            <a:ext cx="1760027" cy="427512"/>
+          </a:xfrm>
+          <a:prstGeom prst="rect">
+            <a:avLst/>
+          </a:prstGeom>
+        </p:spPr>
+        <p:style>
+          <a:lnRef idx="2">
+            <a:schemeClr val="accent2">
+              <a:shade val="50000"/>
+            </a:schemeClr>
+          </a:lnRef>
+          <a:fillRef idx="1">
+            <a:schemeClr val="accent2"/>
+          </a:fillRef>
+          <a:effectRef idx="0">
+            <a:schemeClr val="accent2"/>
+          </a:effectRef>
+          <a:fontRef idx="minor">
+            <a:schemeClr val="lt1"/>
+          </a:fontRef>
+        </p:style>
+        <p:txBody>
+          <a:bodyPr rtlCol="0" anchor="ctr"/>
+          <a:lstStyle/>
+          <a:p>
+            <a:pPr algn="ctr"/>
+            <a:r>
+              <a:rPr lang="en-US" dirty="0" err="1"/>
+              <a:t>feedCtrl</a:t>
+            </a:r>
+            <a:endParaRPr lang="en-DE" dirty="0"/>
+          </a:p>
+        </p:txBody>
+      </p:sp>
+      <p:sp>
+        <p:nvSpPr>
+          <p:cNvPr id="29" name="Arrow: Up-Down 28">
+            <a:extLst>
+              <a:ext uri="{FF2B5EF4-FFF2-40B4-BE49-F238E27FC236}">
+                <a16:creationId xmlns:a16="http://schemas.microsoft.com/office/drawing/2014/main" id="{8121CB05-ED94-45EC-AFE6-A79BA3E9FFDF}"/>
+              </a:ext>
+            </a:extLst>
+          </p:cNvPr>
+          <p:cNvSpPr/>
+          <p:nvPr/>
+        </p:nvSpPr>
+        <p:spPr>
+          <a:xfrm>
+            <a:off x="3636328" y="4954490"/>
+            <a:ext cx="170953" cy="549233"/>
+          </a:xfrm>
+          <a:prstGeom prst="upDownArrow">
+            <a:avLst/>
+          </a:prstGeom>
+        </p:spPr>
+        <p:style>
+          <a:lnRef idx="2">
+            <a:schemeClr val="accent3">
+              <a:shade val="50000"/>
+            </a:schemeClr>
+          </a:lnRef>
+          <a:fillRef idx="1">
+            <a:schemeClr val="accent3"/>
+          </a:fillRef>
+          <a:effectRef idx="0">
+            <a:schemeClr val="accent3"/>
+          </a:effectRef>
+          <a:fontRef idx="minor">
+            <a:schemeClr val="lt1"/>
+          </a:fontRef>
+        </p:style>
+        <p:txBody>
+          <a:bodyPr rtlCol="0" anchor="ctr"/>
+          <a:lstStyle/>
+          <a:p>
+            <a:pPr algn="ctr"/>
+            <a:endParaRPr lang="en-DE"/>
+          </a:p>
+        </p:txBody>
+      </p:sp>
+      <p:sp>
+        <p:nvSpPr>
+          <p:cNvPr id="31" name="Arrow: Up-Down 30">
+            <a:extLst>
+              <a:ext uri="{FF2B5EF4-FFF2-40B4-BE49-F238E27FC236}">
+                <a16:creationId xmlns:a16="http://schemas.microsoft.com/office/drawing/2014/main" id="{D75A887D-9C0F-425C-A9C3-3DEE8E63BD76}"/>
+              </a:ext>
+            </a:extLst>
+          </p:cNvPr>
+          <p:cNvSpPr/>
+          <p:nvPr/>
+        </p:nvSpPr>
+        <p:spPr>
+          <a:xfrm>
+            <a:off x="3636328" y="3240483"/>
+            <a:ext cx="170953" cy="549233"/>
+          </a:xfrm>
+          <a:prstGeom prst="upDownArrow">
+            <a:avLst/>
+          </a:prstGeom>
+        </p:spPr>
+        <p:style>
+          <a:lnRef idx="2">
+            <a:schemeClr val="accent3">
+              <a:shade val="50000"/>
+            </a:schemeClr>
+          </a:lnRef>
+          <a:fillRef idx="1">
+            <a:schemeClr val="accent3"/>
+          </a:fillRef>
+          <a:effectRef idx="0">
+            <a:schemeClr val="accent3"/>
+          </a:effectRef>
+          <a:fontRef idx="minor">
+            <a:schemeClr val="lt1"/>
+          </a:fontRef>
+        </p:style>
+        <p:txBody>
+          <a:bodyPr rtlCol="0" anchor="ctr"/>
+          <a:lstStyle/>
+          <a:p>
+            <a:pPr algn="ctr"/>
+            <a:endParaRPr lang="en-DE"/>
+          </a:p>
+        </p:txBody>
+      </p:sp>
+      <p:sp>
+        <p:nvSpPr>
+          <p:cNvPr id="37" name="Arrow: Up-Down 36">
+            <a:extLst>
+              <a:ext uri="{FF2B5EF4-FFF2-40B4-BE49-F238E27FC236}">
+                <a16:creationId xmlns:a16="http://schemas.microsoft.com/office/drawing/2014/main" id="{D64FF4F1-7ADC-4A4D-9957-008E067ABBEB}"/>
+              </a:ext>
+            </a:extLst>
+          </p:cNvPr>
+          <p:cNvSpPr/>
+          <p:nvPr/>
+        </p:nvSpPr>
+        <p:spPr>
+          <a:xfrm>
+            <a:off x="3061854" y="4735286"/>
+            <a:ext cx="119993" cy="316677"/>
+          </a:xfrm>
+          <a:prstGeom prst="upDownArrow">
+            <a:avLst/>
+          </a:prstGeom>
+        </p:spPr>
+        <p:style>
+          <a:lnRef idx="2">
+            <a:schemeClr val="accent6">
+              <a:shade val="50000"/>
+            </a:schemeClr>
+          </a:lnRef>
+          <a:fillRef idx="1">
+            <a:schemeClr val="accent6"/>
+          </a:fillRef>
+          <a:effectRef idx="0">
+            <a:schemeClr val="accent6"/>
+          </a:effectRef>
+          <a:fontRef idx="minor">
+            <a:schemeClr val="lt1"/>
+          </a:fontRef>
+        </p:style>
+        <p:txBody>
+          <a:bodyPr rtlCol="0" anchor="ctr"/>
+          <a:lstStyle/>
+          <a:p>
+            <a:pPr algn="ctr"/>
+            <a:endParaRPr lang="en-DE"/>
+          </a:p>
+        </p:txBody>
+      </p:sp>
+      <p:sp>
+        <p:nvSpPr>
+          <p:cNvPr id="39" name="Arrow: Up-Down 38">
+            <a:extLst>
+              <a:ext uri="{FF2B5EF4-FFF2-40B4-BE49-F238E27FC236}">
+                <a16:creationId xmlns:a16="http://schemas.microsoft.com/office/drawing/2014/main" id="{8065D02A-9C7D-402F-873F-8DE742D6A918}"/>
+              </a:ext>
+            </a:extLst>
+          </p:cNvPr>
+          <p:cNvSpPr/>
+          <p:nvPr/>
+        </p:nvSpPr>
+        <p:spPr>
+          <a:xfrm>
+            <a:off x="3061854" y="4303816"/>
+            <a:ext cx="119993" cy="316677"/>
+          </a:xfrm>
+          <a:prstGeom prst="upDownArrow">
+            <a:avLst/>
+          </a:prstGeom>
+        </p:spPr>
+        <p:style>
+          <a:lnRef idx="2">
+            <a:schemeClr val="accent6">
+              <a:shade val="50000"/>
+            </a:schemeClr>
+          </a:lnRef>
+          <a:fillRef idx="1">
+            <a:schemeClr val="accent6"/>
+          </a:fillRef>
+          <a:effectRef idx="0">
+            <a:schemeClr val="accent6"/>
+          </a:effectRef>
+          <a:fontRef idx="minor">
+            <a:schemeClr val="lt1"/>
+          </a:fontRef>
+        </p:style>
+        <p:txBody>
+          <a:bodyPr rtlCol="0" anchor="ctr"/>
+          <a:lstStyle/>
+          <a:p>
+            <a:pPr algn="ctr"/>
+            <a:endParaRPr lang="en-DE"/>
+          </a:p>
+        </p:txBody>
+      </p:sp>
+      <p:sp>
+        <p:nvSpPr>
+          <p:cNvPr id="3" name="TextBox 2">
+            <a:extLst>
+              <a:ext uri="{FF2B5EF4-FFF2-40B4-BE49-F238E27FC236}">
+                <a16:creationId xmlns:a16="http://schemas.microsoft.com/office/drawing/2014/main" id="{B98C6560-1CA9-4B3B-A157-C50DF816D1F0}"/>
+              </a:ext>
+            </a:extLst>
+          </p:cNvPr>
+          <p:cNvSpPr txBox="1"/>
+          <p:nvPr/>
+        </p:nvSpPr>
+        <p:spPr>
+          <a:xfrm>
+            <a:off x="6385455" y="2084994"/>
+            <a:ext cx="3722914" cy="646331"/>
+          </a:xfrm>
+          <a:prstGeom prst="rect">
+            <a:avLst/>
+          </a:prstGeom>
+          <a:noFill/>
+        </p:spPr>
+        <p:txBody>
+          <a:bodyPr wrap="square" rtlCol="0">
+            <a:spAutoFit/>
+          </a:bodyPr>
+          <a:lstStyle/>
+          <a:p>
+            <a:pPr algn="ctr"/>
+            <a:r>
+              <a:rPr lang="en-US" dirty="0"/>
+              <a:t>Fall 1: </a:t>
+            </a:r>
+            <a:r>
+              <a:rPr lang="en-US" dirty="0" err="1"/>
+              <a:t>Pakete</a:t>
+            </a:r>
+            <a:r>
+              <a:rPr lang="en-US" dirty="0"/>
+              <a:t> </a:t>
+            </a:r>
+            <a:r>
+              <a:rPr lang="en-US" dirty="0" err="1"/>
+              <a:t>kommen</a:t>
+            </a:r>
+            <a:r>
+              <a:rPr lang="en-US" dirty="0"/>
+              <a:t> an</a:t>
+            </a:r>
+          </a:p>
+          <a:p>
+            <a:pPr algn="ctr"/>
+            <a:r>
+              <a:rPr lang="en-US" dirty="0"/>
+              <a:t>“Von </a:t>
+            </a:r>
+            <a:r>
+              <a:rPr lang="en-US" dirty="0" err="1"/>
+              <a:t>unten</a:t>
+            </a:r>
+            <a:r>
+              <a:rPr lang="en-US" dirty="0"/>
+              <a:t> </a:t>
+            </a:r>
+            <a:r>
+              <a:rPr lang="en-US" dirty="0" err="1"/>
+              <a:t>nach</a:t>
+            </a:r>
+            <a:r>
+              <a:rPr lang="en-US" dirty="0"/>
+              <a:t> </a:t>
+            </a:r>
+            <a:r>
+              <a:rPr lang="en-US" dirty="0" err="1"/>
+              <a:t>oben</a:t>
+            </a:r>
+            <a:r>
+              <a:rPr lang="en-US" dirty="0"/>
+              <a:t>”</a:t>
+            </a:r>
+            <a:endParaRPr lang="en-DE" dirty="0"/>
+          </a:p>
+        </p:txBody>
+      </p:sp>
+      <p:sp>
+        <p:nvSpPr>
+          <p:cNvPr id="27" name="TextBox 26">
+            <a:extLst>
+              <a:ext uri="{FF2B5EF4-FFF2-40B4-BE49-F238E27FC236}">
+                <a16:creationId xmlns:a16="http://schemas.microsoft.com/office/drawing/2014/main" id="{E5D8440C-F176-435A-ADAD-490D0FD17C7C}"/>
+              </a:ext>
+            </a:extLst>
+          </p:cNvPr>
+          <p:cNvSpPr txBox="1"/>
+          <p:nvPr/>
+        </p:nvSpPr>
+        <p:spPr>
+          <a:xfrm>
+            <a:off x="6009405" y="3339614"/>
+            <a:ext cx="4750631" cy="2031325"/>
+          </a:xfrm>
+          <a:prstGeom prst="rect">
+            <a:avLst/>
+          </a:prstGeom>
+          <a:noFill/>
+        </p:spPr>
+        <p:txBody>
+          <a:bodyPr wrap="square" rtlCol="0">
+            <a:spAutoFit/>
+          </a:bodyPr>
+          <a:lstStyle/>
+          <a:p>
+            <a:r>
+              <a:rPr lang="en-US" dirty="0"/>
+              <a:t>4. </a:t>
+            </a:r>
+            <a:r>
+              <a:rPr lang="en-US" dirty="0" err="1"/>
+              <a:t>Schreiben</a:t>
+            </a:r>
+            <a:r>
+              <a:rPr lang="en-US" dirty="0"/>
+              <a:t> in </a:t>
+            </a:r>
+            <a:r>
+              <a:rPr lang="en-US" dirty="0" err="1"/>
+              <a:t>Datenbank</a:t>
+            </a:r>
+            <a:endParaRPr lang="en-US" dirty="0"/>
+          </a:p>
+          <a:p>
+            <a:endParaRPr lang="en-US" dirty="0"/>
+          </a:p>
+          <a:p>
+            <a:r>
+              <a:rPr lang="en-US" dirty="0"/>
+              <a:t>3. </a:t>
+            </a:r>
+            <a:r>
+              <a:rPr lang="en-US" dirty="0" err="1"/>
+              <a:t>Verifizierung</a:t>
+            </a:r>
+            <a:r>
+              <a:rPr lang="en-US" dirty="0"/>
+              <a:t> der </a:t>
+            </a:r>
+            <a:r>
+              <a:rPr lang="en-US" dirty="0" err="1"/>
+              <a:t>Signaturen</a:t>
+            </a:r>
+            <a:r>
+              <a:rPr lang="en-US" dirty="0"/>
+              <a:t> / Hashes</a:t>
+            </a:r>
+          </a:p>
+          <a:p>
+            <a:endParaRPr lang="en-DE" dirty="0"/>
+          </a:p>
+          <a:p>
+            <a:r>
+              <a:rPr lang="en-US" dirty="0"/>
+              <a:t>2. </a:t>
+            </a:r>
+            <a:r>
+              <a:rPr lang="en-US" dirty="0" err="1"/>
+              <a:t>Abgleich</a:t>
+            </a:r>
+            <a:r>
+              <a:rPr lang="en-US" dirty="0"/>
+              <a:t> Stand </a:t>
+            </a:r>
+            <a:r>
+              <a:rPr lang="en-US" dirty="0" err="1"/>
+              <a:t>Datenbank</a:t>
+            </a:r>
+            <a:endParaRPr lang="en-US" dirty="0"/>
+          </a:p>
+          <a:p>
+            <a:endParaRPr lang="en-US" dirty="0"/>
+          </a:p>
+          <a:p>
+            <a:r>
+              <a:rPr lang="en-US" dirty="0"/>
+              <a:t>1. </a:t>
+            </a:r>
+            <a:r>
+              <a:rPr lang="en-US" dirty="0" err="1"/>
+              <a:t>Extrahieren</a:t>
+            </a:r>
+            <a:r>
+              <a:rPr lang="en-US" dirty="0"/>
+              <a:t> der .</a:t>
+            </a:r>
+            <a:r>
+              <a:rPr lang="en-US" dirty="0" err="1"/>
+              <a:t>pcap</a:t>
+            </a:r>
+            <a:r>
+              <a:rPr lang="en-US" dirty="0"/>
+              <a:t>-Files</a:t>
+            </a:r>
+            <a:endParaRPr lang="en-DE" dirty="0"/>
           </a:p>
         </p:txBody>
       </p:sp>
     </p:spTree>
     <p:extLst>
       <p:ext uri="{BB962C8B-B14F-4D97-AF65-F5344CB8AC3E}">
-        <p14:creationId xmlns:p14="http://schemas.microsoft.com/office/powerpoint/2010/main" val="175079771"/>
+        <p14:creationId xmlns:p14="http://schemas.microsoft.com/office/powerpoint/2010/main" val="3565075949"/>
       </p:ext>
     </p:extLst>
   </p:cSld>
@@ -5706,10 +6981,10 @@
       </p:grpSpPr>
       <p:sp>
         <p:nvSpPr>
-          <p:cNvPr id="2" name="Titel 1">
+          <p:cNvPr id="2" name="Title 1">
             <a:extLst>
               <a:ext uri="{FF2B5EF4-FFF2-40B4-BE49-F238E27FC236}">
-                <a16:creationId xmlns:a16="http://schemas.microsoft.com/office/drawing/2014/main" id="{DAC4976D-6DD1-4E91-AC33-B1FAAF6CF45A}"/>
+                <a16:creationId xmlns:a16="http://schemas.microsoft.com/office/drawing/2014/main" id="{0741925B-7AAD-4C3F-AD46-08A0FCE63F67}"/>
               </a:ext>
             </a:extLst>
           </p:cNvPr>
@@ -5726,59 +7001,654 @@
           <a:lstStyle/>
           <a:p>
             <a:r>
-              <a:rPr lang="de-CH" dirty="0"/>
-              <a:t>Was uns noch fehlt</a:t>
-            </a:r>
-          </a:p>
-        </p:txBody>
-      </p:sp>
-      <p:sp>
-        <p:nvSpPr>
-          <p:cNvPr id="3" name="Inhaltsplatzhalter 2">
+              <a:rPr lang="en-US" dirty="0" err="1"/>
+              <a:t>Beispielablauf</a:t>
+            </a:r>
+            <a:endParaRPr lang="en-DE" dirty="0"/>
+          </a:p>
+        </p:txBody>
+      </p:sp>
+      <p:sp>
+        <p:nvSpPr>
+          <p:cNvPr id="6" name="Rectangle 5">
             <a:extLst>
               <a:ext uri="{FF2B5EF4-FFF2-40B4-BE49-F238E27FC236}">
-                <a16:creationId xmlns:a16="http://schemas.microsoft.com/office/drawing/2014/main" id="{621E2FDC-88BA-4692-ACA3-470406A3F4FB}"/>
+                <a16:creationId xmlns:a16="http://schemas.microsoft.com/office/drawing/2014/main" id="{F5996793-D831-486C-BEAA-C1E97EEB5364}"/>
               </a:ext>
             </a:extLst>
           </p:cNvPr>
-          <p:cNvSpPr>
-            <a:spLocks noGrp="1"/>
-          </p:cNvSpPr>
-          <p:nvPr>
-            <p:ph idx="1"/>
-          </p:nvPr>
-        </p:nvSpPr>
-        <p:spPr/>
-        <p:txBody>
-          <a:bodyPr/>
-          <a:lstStyle/>
-          <a:p>
-            <a:r>
-              <a:rPr lang="de-CH" dirty="0"/>
-              <a:t>Integration Gruppe 14 </a:t>
-            </a:r>
-            <a:r>
-              <a:rPr lang="de-CH" dirty="0" err="1"/>
+          <p:cNvSpPr/>
+          <p:nvPr/>
+        </p:nvSpPr>
+        <p:spPr>
+          <a:xfrm>
+            <a:off x="810000" y="2731325"/>
+            <a:ext cx="3135086" cy="697675"/>
+          </a:xfrm>
+          <a:prstGeom prst="rect">
+            <a:avLst/>
+          </a:prstGeom>
+        </p:spPr>
+        <p:style>
+          <a:lnRef idx="2">
+            <a:schemeClr val="accent1">
+              <a:shade val="50000"/>
+            </a:schemeClr>
+          </a:lnRef>
+          <a:fillRef idx="1">
+            <a:schemeClr val="accent1"/>
+          </a:fillRef>
+          <a:effectRef idx="0">
+            <a:schemeClr val="accent1"/>
+          </a:effectRef>
+          <a:fontRef idx="minor">
+            <a:schemeClr val="lt1"/>
+          </a:fontRef>
+        </p:style>
+        <p:txBody>
+          <a:bodyPr rtlCol="0" anchor="ctr"/>
+          <a:lstStyle/>
+          <a:p>
+            <a:pPr algn="ctr"/>
+            <a:r>
+              <a:rPr lang="en-US" dirty="0" err="1"/>
+              <a:t>Datenbank</a:t>
+            </a:r>
+            <a:endParaRPr lang="en-DE" dirty="0"/>
+          </a:p>
+        </p:txBody>
+      </p:sp>
+      <p:sp>
+        <p:nvSpPr>
+          <p:cNvPr id="8" name="Rectangle 7">
+            <a:extLst>
+              <a:ext uri="{FF2B5EF4-FFF2-40B4-BE49-F238E27FC236}">
+                <a16:creationId xmlns:a16="http://schemas.microsoft.com/office/drawing/2014/main" id="{ABBEEAB1-B8E9-4B23-80F7-E45D089E6CAD}"/>
+              </a:ext>
+            </a:extLst>
+          </p:cNvPr>
+          <p:cNvSpPr/>
+          <p:nvPr/>
+        </p:nvSpPr>
+        <p:spPr>
+          <a:xfrm>
+            <a:off x="810000" y="3582391"/>
+            <a:ext cx="3135086" cy="1545772"/>
+          </a:xfrm>
+          <a:prstGeom prst="rect">
+            <a:avLst/>
+          </a:prstGeom>
+        </p:spPr>
+        <p:style>
+          <a:lnRef idx="2">
+            <a:schemeClr val="accent1">
+              <a:shade val="50000"/>
+            </a:schemeClr>
+          </a:lnRef>
+          <a:fillRef idx="1">
+            <a:schemeClr val="accent1"/>
+          </a:fillRef>
+          <a:effectRef idx="0">
+            <a:schemeClr val="accent1"/>
+          </a:effectRef>
+          <a:fontRef idx="minor">
+            <a:schemeClr val="lt1"/>
+          </a:fontRef>
+        </p:style>
+        <p:txBody>
+          <a:bodyPr rtlCol="0" anchor="ctr"/>
+          <a:lstStyle/>
+          <a:p>
+            <a:pPr algn="ctr"/>
+            <a:r>
+              <a:rPr lang="en-US" dirty="0" err="1"/>
+              <a:t>logMerge</a:t>
+            </a:r>
+            <a:endParaRPr lang="en-US" dirty="0"/>
+          </a:p>
+          <a:p>
+            <a:pPr algn="ctr"/>
+            <a:endParaRPr lang="en-US" dirty="0"/>
+          </a:p>
+          <a:p>
+            <a:pPr algn="ctr"/>
+            <a:endParaRPr lang="en-US" dirty="0"/>
+          </a:p>
+          <a:p>
+            <a:pPr algn="ctr"/>
+            <a:endParaRPr lang="en-DE" dirty="0"/>
+          </a:p>
+        </p:txBody>
+      </p:sp>
+      <p:sp>
+        <p:nvSpPr>
+          <p:cNvPr id="12" name="Rectangle 11">
+            <a:extLst>
+              <a:ext uri="{FF2B5EF4-FFF2-40B4-BE49-F238E27FC236}">
+                <a16:creationId xmlns:a16="http://schemas.microsoft.com/office/drawing/2014/main" id="{15A800E9-C0A3-4B9B-92EC-4B273E5EDAD5}"/>
+              </a:ext>
+            </a:extLst>
+          </p:cNvPr>
+          <p:cNvSpPr/>
+          <p:nvPr/>
+        </p:nvSpPr>
+        <p:spPr>
+          <a:xfrm>
+            <a:off x="810000" y="5284523"/>
+            <a:ext cx="3135086" cy="697675"/>
+          </a:xfrm>
+          <a:prstGeom prst="rect">
+            <a:avLst/>
+          </a:prstGeom>
+        </p:spPr>
+        <p:style>
+          <a:lnRef idx="2">
+            <a:schemeClr val="accent1">
+              <a:shade val="50000"/>
+            </a:schemeClr>
+          </a:lnRef>
+          <a:fillRef idx="1">
+            <a:schemeClr val="accent1"/>
+          </a:fillRef>
+          <a:effectRef idx="0">
+            <a:schemeClr val="accent1"/>
+          </a:effectRef>
+          <a:fontRef idx="minor">
+            <a:schemeClr val="lt1"/>
+          </a:fontRef>
+        </p:style>
+        <p:txBody>
+          <a:bodyPr rtlCol="0" anchor="ctr"/>
+          <a:lstStyle/>
+          <a:p>
+            <a:pPr algn="ctr"/>
+            <a:r>
+              <a:rPr lang="en-US" dirty="0" err="1"/>
+              <a:t>Transportschicht</a:t>
+            </a:r>
+            <a:endParaRPr lang="en-DE" dirty="0"/>
+          </a:p>
+        </p:txBody>
+      </p:sp>
+      <p:sp>
+        <p:nvSpPr>
+          <p:cNvPr id="13" name="Rectangle 12">
+            <a:extLst>
+              <a:ext uri="{FF2B5EF4-FFF2-40B4-BE49-F238E27FC236}">
+                <a16:creationId xmlns:a16="http://schemas.microsoft.com/office/drawing/2014/main" id="{6E4BD40D-1A65-4D28-AF74-BABF384B2B63}"/>
+              </a:ext>
+            </a:extLst>
+          </p:cNvPr>
+          <p:cNvSpPr/>
+          <p:nvPr/>
+        </p:nvSpPr>
+        <p:spPr>
+          <a:xfrm>
+            <a:off x="1497529" y="4460176"/>
+            <a:ext cx="1760027" cy="427512"/>
+          </a:xfrm>
+          <a:prstGeom prst="rect">
+            <a:avLst/>
+          </a:prstGeom>
+        </p:spPr>
+        <p:style>
+          <a:lnRef idx="2">
+            <a:schemeClr val="accent2">
+              <a:shade val="50000"/>
+            </a:schemeClr>
+          </a:lnRef>
+          <a:fillRef idx="1">
+            <a:schemeClr val="accent2"/>
+          </a:fillRef>
+          <a:effectRef idx="0">
+            <a:schemeClr val="accent2"/>
+          </a:effectRef>
+          <a:fontRef idx="minor">
+            <a:schemeClr val="lt1"/>
+          </a:fontRef>
+        </p:style>
+        <p:txBody>
+          <a:bodyPr rtlCol="0" anchor="ctr"/>
+          <a:lstStyle/>
+          <a:p>
+            <a:pPr algn="ctr"/>
+            <a:r>
+              <a:rPr lang="en-US" dirty="0" err="1"/>
               <a:t>feedCtrl</a:t>
             </a:r>
-            <a:r>
-              <a:rPr lang="de-CH" dirty="0"/>
-              <a:t> -&gt; Filterfunktion</a:t>
-            </a:r>
-          </a:p>
-          <a:p>
-            <a:pPr lvl="1"/>
-            <a:r>
-              <a:rPr lang="de-CH" dirty="0"/>
-              <a:t>(Momentan alles exportiert / importiert)</a:t>
-            </a:r>
+            <a:endParaRPr lang="en-DE" dirty="0"/>
+          </a:p>
+        </p:txBody>
+      </p:sp>
+      <p:sp>
+        <p:nvSpPr>
+          <p:cNvPr id="29" name="Arrow: Up-Down 28">
+            <a:extLst>
+              <a:ext uri="{FF2B5EF4-FFF2-40B4-BE49-F238E27FC236}">
+                <a16:creationId xmlns:a16="http://schemas.microsoft.com/office/drawing/2014/main" id="{8121CB05-ED94-45EC-AFE6-A79BA3E9FFDF}"/>
+              </a:ext>
+            </a:extLst>
+          </p:cNvPr>
+          <p:cNvSpPr/>
+          <p:nvPr/>
+        </p:nvSpPr>
+        <p:spPr>
+          <a:xfrm>
+            <a:off x="3636328" y="4954490"/>
+            <a:ext cx="170953" cy="549233"/>
+          </a:xfrm>
+          <a:prstGeom prst="upDownArrow">
+            <a:avLst/>
+          </a:prstGeom>
+        </p:spPr>
+        <p:style>
+          <a:lnRef idx="2">
+            <a:schemeClr val="accent3">
+              <a:shade val="50000"/>
+            </a:schemeClr>
+          </a:lnRef>
+          <a:fillRef idx="1">
+            <a:schemeClr val="accent3"/>
+          </a:fillRef>
+          <a:effectRef idx="0">
+            <a:schemeClr val="accent3"/>
+          </a:effectRef>
+          <a:fontRef idx="minor">
+            <a:schemeClr val="lt1"/>
+          </a:fontRef>
+        </p:style>
+        <p:txBody>
+          <a:bodyPr rtlCol="0" anchor="ctr"/>
+          <a:lstStyle/>
+          <a:p>
+            <a:pPr algn="ctr"/>
+            <a:endParaRPr lang="en-DE"/>
+          </a:p>
+        </p:txBody>
+      </p:sp>
+      <p:sp>
+        <p:nvSpPr>
+          <p:cNvPr id="31" name="Arrow: Up-Down 30">
+            <a:extLst>
+              <a:ext uri="{FF2B5EF4-FFF2-40B4-BE49-F238E27FC236}">
+                <a16:creationId xmlns:a16="http://schemas.microsoft.com/office/drawing/2014/main" id="{D75A887D-9C0F-425C-A9C3-3DEE8E63BD76}"/>
+              </a:ext>
+            </a:extLst>
+          </p:cNvPr>
+          <p:cNvSpPr/>
+          <p:nvPr/>
+        </p:nvSpPr>
+        <p:spPr>
+          <a:xfrm>
+            <a:off x="3636328" y="3240483"/>
+            <a:ext cx="170953" cy="549233"/>
+          </a:xfrm>
+          <a:prstGeom prst="upDownArrow">
+            <a:avLst/>
+          </a:prstGeom>
+        </p:spPr>
+        <p:style>
+          <a:lnRef idx="2">
+            <a:schemeClr val="accent3">
+              <a:shade val="50000"/>
+            </a:schemeClr>
+          </a:lnRef>
+          <a:fillRef idx="1">
+            <a:schemeClr val="accent3"/>
+          </a:fillRef>
+          <a:effectRef idx="0">
+            <a:schemeClr val="accent3"/>
+          </a:effectRef>
+          <a:fontRef idx="minor">
+            <a:schemeClr val="lt1"/>
+          </a:fontRef>
+        </p:style>
+        <p:txBody>
+          <a:bodyPr rtlCol="0" anchor="ctr"/>
+          <a:lstStyle/>
+          <a:p>
+            <a:pPr algn="ctr"/>
+            <a:endParaRPr lang="en-DE"/>
+          </a:p>
+        </p:txBody>
+      </p:sp>
+      <p:sp>
+        <p:nvSpPr>
+          <p:cNvPr id="37" name="Arrow: Up-Down 36">
+            <a:extLst>
+              <a:ext uri="{FF2B5EF4-FFF2-40B4-BE49-F238E27FC236}">
+                <a16:creationId xmlns:a16="http://schemas.microsoft.com/office/drawing/2014/main" id="{D64FF4F1-7ADC-4A4D-9957-008E067ABBEB}"/>
+              </a:ext>
+            </a:extLst>
+          </p:cNvPr>
+          <p:cNvSpPr/>
+          <p:nvPr/>
+        </p:nvSpPr>
+        <p:spPr>
+          <a:xfrm>
+            <a:off x="3061854" y="4735286"/>
+            <a:ext cx="119993" cy="316677"/>
+          </a:xfrm>
+          <a:prstGeom prst="upDownArrow">
+            <a:avLst/>
+          </a:prstGeom>
+        </p:spPr>
+        <p:style>
+          <a:lnRef idx="2">
+            <a:schemeClr val="accent6">
+              <a:shade val="50000"/>
+            </a:schemeClr>
+          </a:lnRef>
+          <a:fillRef idx="1">
+            <a:schemeClr val="accent6"/>
+          </a:fillRef>
+          <a:effectRef idx="0">
+            <a:schemeClr val="accent6"/>
+          </a:effectRef>
+          <a:fontRef idx="minor">
+            <a:schemeClr val="lt1"/>
+          </a:fontRef>
+        </p:style>
+        <p:txBody>
+          <a:bodyPr rtlCol="0" anchor="ctr"/>
+          <a:lstStyle/>
+          <a:p>
+            <a:pPr algn="ctr"/>
+            <a:endParaRPr lang="en-DE"/>
+          </a:p>
+        </p:txBody>
+      </p:sp>
+      <p:sp>
+        <p:nvSpPr>
+          <p:cNvPr id="39" name="Arrow: Up-Down 38">
+            <a:extLst>
+              <a:ext uri="{FF2B5EF4-FFF2-40B4-BE49-F238E27FC236}">
+                <a16:creationId xmlns:a16="http://schemas.microsoft.com/office/drawing/2014/main" id="{8065D02A-9C7D-402F-873F-8DE742D6A918}"/>
+              </a:ext>
+            </a:extLst>
+          </p:cNvPr>
+          <p:cNvSpPr/>
+          <p:nvPr/>
+        </p:nvSpPr>
+        <p:spPr>
+          <a:xfrm>
+            <a:off x="3061854" y="4303816"/>
+            <a:ext cx="119993" cy="316677"/>
+          </a:xfrm>
+          <a:prstGeom prst="upDownArrow">
+            <a:avLst/>
+          </a:prstGeom>
+        </p:spPr>
+        <p:style>
+          <a:lnRef idx="2">
+            <a:schemeClr val="accent6">
+              <a:shade val="50000"/>
+            </a:schemeClr>
+          </a:lnRef>
+          <a:fillRef idx="1">
+            <a:schemeClr val="accent6"/>
+          </a:fillRef>
+          <a:effectRef idx="0">
+            <a:schemeClr val="accent6"/>
+          </a:effectRef>
+          <a:fontRef idx="minor">
+            <a:schemeClr val="lt1"/>
+          </a:fontRef>
+        </p:style>
+        <p:txBody>
+          <a:bodyPr rtlCol="0" anchor="ctr"/>
+          <a:lstStyle/>
+          <a:p>
+            <a:pPr algn="ctr"/>
+            <a:endParaRPr lang="en-DE"/>
+          </a:p>
+        </p:txBody>
+      </p:sp>
+      <p:sp>
+        <p:nvSpPr>
+          <p:cNvPr id="3" name="TextBox 2">
+            <a:extLst>
+              <a:ext uri="{FF2B5EF4-FFF2-40B4-BE49-F238E27FC236}">
+                <a16:creationId xmlns:a16="http://schemas.microsoft.com/office/drawing/2014/main" id="{B98C6560-1CA9-4B3B-A157-C50DF816D1F0}"/>
+              </a:ext>
+            </a:extLst>
+          </p:cNvPr>
+          <p:cNvSpPr txBox="1"/>
+          <p:nvPr/>
+        </p:nvSpPr>
+        <p:spPr>
+          <a:xfrm>
+            <a:off x="6385455" y="2084994"/>
+            <a:ext cx="3722914" cy="646331"/>
+          </a:xfrm>
+          <a:prstGeom prst="rect">
+            <a:avLst/>
+          </a:prstGeom>
+          <a:noFill/>
+        </p:spPr>
+        <p:txBody>
+          <a:bodyPr wrap="square" rtlCol="0">
+            <a:spAutoFit/>
+          </a:bodyPr>
+          <a:lstStyle/>
+          <a:p>
+            <a:pPr algn="ctr"/>
+            <a:r>
+              <a:rPr lang="en-US" dirty="0"/>
+              <a:t>Fall 2: </a:t>
+            </a:r>
+            <a:r>
+              <a:rPr lang="en-US" dirty="0" err="1"/>
+              <a:t>Daten</a:t>
+            </a:r>
+            <a:r>
+              <a:rPr lang="en-US" dirty="0"/>
+              <a:t> warden </a:t>
+            </a:r>
+            <a:r>
+              <a:rPr lang="en-US" dirty="0" err="1"/>
+              <a:t>abgerufen</a:t>
+            </a:r>
+            <a:endParaRPr lang="en-US" dirty="0"/>
+          </a:p>
+          <a:p>
+            <a:pPr algn="ctr"/>
+            <a:r>
+              <a:rPr lang="en-US" dirty="0"/>
+              <a:t>“Von </a:t>
+            </a:r>
+            <a:r>
+              <a:rPr lang="en-US" dirty="0" err="1"/>
+              <a:t>oben</a:t>
+            </a:r>
+            <a:r>
+              <a:rPr lang="en-US" dirty="0"/>
+              <a:t> </a:t>
+            </a:r>
+            <a:r>
+              <a:rPr lang="en-US" dirty="0" err="1"/>
+              <a:t>nach</a:t>
+            </a:r>
+            <a:r>
+              <a:rPr lang="en-US" dirty="0"/>
+              <a:t> </a:t>
+            </a:r>
+            <a:r>
+              <a:rPr lang="en-US" dirty="0" err="1"/>
+              <a:t>unten</a:t>
+            </a:r>
+            <a:r>
+              <a:rPr lang="en-US" dirty="0"/>
+              <a:t>”</a:t>
+            </a:r>
+            <a:endParaRPr lang="en-DE" dirty="0"/>
+          </a:p>
+        </p:txBody>
+      </p:sp>
+      <p:sp>
+        <p:nvSpPr>
+          <p:cNvPr id="27" name="TextBox 26">
+            <a:extLst>
+              <a:ext uri="{FF2B5EF4-FFF2-40B4-BE49-F238E27FC236}">
+                <a16:creationId xmlns:a16="http://schemas.microsoft.com/office/drawing/2014/main" id="{E5D8440C-F176-435A-ADAD-490D0FD17C7C}"/>
+              </a:ext>
+            </a:extLst>
+          </p:cNvPr>
+          <p:cNvSpPr txBox="1"/>
+          <p:nvPr/>
+        </p:nvSpPr>
+        <p:spPr>
+          <a:xfrm>
+            <a:off x="6009405" y="3339614"/>
+            <a:ext cx="5058398" cy="2031325"/>
+          </a:xfrm>
+          <a:prstGeom prst="rect">
+            <a:avLst/>
+          </a:prstGeom>
+          <a:noFill/>
+        </p:spPr>
+        <p:txBody>
+          <a:bodyPr wrap="square" rtlCol="0">
+            <a:spAutoFit/>
+          </a:bodyPr>
+          <a:lstStyle/>
+          <a:p>
+            <a:r>
+              <a:rPr lang="en-US" dirty="0"/>
+              <a:t>1. </a:t>
+            </a:r>
+            <a:r>
+              <a:rPr lang="en-US" dirty="0" err="1"/>
+              <a:t>Transportschicht</a:t>
+            </a:r>
+            <a:r>
+              <a:rPr lang="en-US" dirty="0"/>
+              <a:t> </a:t>
+            </a:r>
+            <a:r>
+              <a:rPr lang="en-US" dirty="0" err="1"/>
+              <a:t>ruft</a:t>
+            </a:r>
+            <a:r>
+              <a:rPr lang="en-US" dirty="0"/>
+              <a:t> </a:t>
+            </a:r>
+            <a:r>
+              <a:rPr lang="en-US" dirty="0" err="1"/>
+              <a:t>uns</a:t>
+            </a:r>
+            <a:r>
+              <a:rPr lang="en-US" dirty="0"/>
+              <a:t> auf</a:t>
+            </a:r>
+          </a:p>
+          <a:p>
+            <a:pPr marL="342900" indent="-342900">
+              <a:buAutoNum type="arabicPeriod"/>
+            </a:pPr>
+            <a:endParaRPr lang="en-US" dirty="0"/>
+          </a:p>
+          <a:p>
+            <a:r>
+              <a:rPr lang="en-US" dirty="0"/>
+              <a:t>2. </a:t>
+            </a:r>
+            <a:r>
+              <a:rPr lang="en-US" dirty="0" err="1"/>
+              <a:t>Ermitteln</a:t>
+            </a:r>
+            <a:r>
+              <a:rPr lang="en-US" dirty="0"/>
+              <a:t> der </a:t>
+            </a:r>
+            <a:r>
+              <a:rPr lang="en-US" dirty="0" err="1"/>
+              <a:t>zu</a:t>
+            </a:r>
+            <a:r>
+              <a:rPr lang="en-US" dirty="0"/>
+              <a:t> </a:t>
+            </a:r>
+            <a:r>
+              <a:rPr lang="en-US" dirty="0" err="1"/>
+              <a:t>sendenden</a:t>
+            </a:r>
+            <a:r>
+              <a:rPr lang="en-US" dirty="0"/>
+              <a:t> </a:t>
+            </a:r>
+            <a:r>
+              <a:rPr lang="en-US" dirty="0" err="1"/>
+              <a:t>Pakete</a:t>
+            </a:r>
+            <a:endParaRPr lang="en-US" dirty="0"/>
+          </a:p>
+          <a:p>
+            <a:endParaRPr lang="en-DE" dirty="0"/>
+          </a:p>
+          <a:p>
+            <a:r>
+              <a:rPr lang="en-US" dirty="0"/>
+              <a:t>3. Events in .</a:t>
+            </a:r>
+            <a:r>
+              <a:rPr lang="en-US" dirty="0" err="1"/>
+              <a:t>pcap</a:t>
+            </a:r>
+            <a:r>
+              <a:rPr lang="en-US" dirty="0"/>
+              <a:t>-Files </a:t>
+            </a:r>
+            <a:r>
+              <a:rPr lang="en-US" dirty="0" err="1"/>
+              <a:t>schreiben</a:t>
+            </a:r>
+            <a:endParaRPr lang="en-US" dirty="0"/>
+          </a:p>
+          <a:p>
+            <a:endParaRPr lang="en-US" dirty="0"/>
+          </a:p>
+          <a:p>
+            <a:r>
+              <a:rPr lang="en-US" dirty="0"/>
+              <a:t>4. </a:t>
+            </a:r>
+            <a:r>
+              <a:rPr lang="en-US" dirty="0" err="1"/>
+              <a:t>Senden</a:t>
+            </a:r>
+            <a:r>
+              <a:rPr lang="en-US" dirty="0"/>
+              <a:t> der </a:t>
+            </a:r>
+            <a:r>
+              <a:rPr lang="en-US" dirty="0" err="1"/>
+              <a:t>Daten</a:t>
+            </a:r>
+            <a:r>
+              <a:rPr lang="en-US" dirty="0"/>
+              <a:t> </a:t>
+            </a:r>
+            <a:r>
+              <a:rPr lang="en-US" dirty="0" err="1"/>
+              <a:t>über</a:t>
+            </a:r>
+            <a:r>
+              <a:rPr lang="en-US" dirty="0"/>
+              <a:t> </a:t>
+            </a:r>
+            <a:r>
+              <a:rPr lang="en-US" dirty="0" err="1"/>
+              <a:t>Transportgruppe</a:t>
+            </a:r>
+            <a:endParaRPr lang="en-DE" dirty="0"/>
           </a:p>
         </p:txBody>
       </p:sp>
     </p:spTree>
     <p:extLst>
       <p:ext uri="{BB962C8B-B14F-4D97-AF65-F5344CB8AC3E}">
-        <p14:creationId xmlns:p14="http://schemas.microsoft.com/office/powerpoint/2010/main" val="3744246541"/>
+        <p14:creationId xmlns:p14="http://schemas.microsoft.com/office/powerpoint/2010/main" val="3042148466"/>
       </p:ext>
     </p:extLst>
   </p:cSld>
@@ -5807,10 +7677,10 @@
       </p:grpSpPr>
       <p:sp>
         <p:nvSpPr>
-          <p:cNvPr id="2" name="Titel 1">
+          <p:cNvPr id="2" name="Title 1">
             <a:extLst>
               <a:ext uri="{FF2B5EF4-FFF2-40B4-BE49-F238E27FC236}">
-                <a16:creationId xmlns:a16="http://schemas.microsoft.com/office/drawing/2014/main" id="{8FF37D72-575F-4E1A-A033-FCFC4B8ABE49}"/>
+                <a16:creationId xmlns:a16="http://schemas.microsoft.com/office/drawing/2014/main" id="{0741925B-7AAD-4C3F-AD46-08A0FCE63F67}"/>
               </a:ext>
             </a:extLst>
           </p:cNvPr>
@@ -5827,57 +7697,936 @@
           <a:lstStyle/>
           <a:p>
             <a:r>
-              <a:rPr lang="de-CH" dirty="0"/>
-              <a:t>Create Event Beispiel</a:t>
-            </a:r>
-          </a:p>
-        </p:txBody>
-      </p:sp>
-      <p:sp>
-        <p:nvSpPr>
-          <p:cNvPr id="4" name="Inhaltsplatzhalter 2">
+              <a:rPr lang="en-US" dirty="0" err="1"/>
+              <a:t>Schnittstellen</a:t>
+            </a:r>
+            <a:endParaRPr lang="en-DE" dirty="0"/>
+          </a:p>
+        </p:txBody>
+      </p:sp>
+      <p:sp>
+        <p:nvSpPr>
+          <p:cNvPr id="4" name="Rectangle 3">
             <a:extLst>
               <a:ext uri="{FF2B5EF4-FFF2-40B4-BE49-F238E27FC236}">
-                <a16:creationId xmlns:a16="http://schemas.microsoft.com/office/drawing/2014/main" id="{71BEAECD-C2B6-48D2-B429-9245DA5821EA}"/>
+                <a16:creationId xmlns:a16="http://schemas.microsoft.com/office/drawing/2014/main" id="{37912668-AA4B-49B9-AD27-D50F2B6B8ECA}"/>
               </a:ext>
             </a:extLst>
           </p:cNvPr>
-          <p:cNvSpPr>
-            <a:spLocks noGrp="1"/>
-          </p:cNvSpPr>
-          <p:nvPr>
-            <p:ph idx="1"/>
-          </p:nvPr>
+          <p:cNvSpPr/>
+          <p:nvPr/>
         </p:nvSpPr>
         <p:spPr>
           <a:xfrm>
-            <a:off x="818712" y="2222287"/>
-            <a:ext cx="10554574" cy="3636511"/>
-          </a:xfrm>
-        </p:spPr>
-        <p:txBody>
-          <a:bodyPr/>
-          <a:lstStyle/>
-          <a:p>
-            <a:r>
-              <a:rPr lang="de-CH" dirty="0"/>
-              <a:t>Vorzeigen </a:t>
-            </a:r>
-            <a:r>
-              <a:rPr lang="de-CH" dirty="0">
-                <a:solidFill>
-                  <a:srgbClr val="FF0000"/>
-                </a:solidFill>
-              </a:rPr>
-              <a:t>LIVE</a:t>
-            </a:r>
-          </a:p>
-        </p:txBody>
-      </p:sp>
+            <a:off x="810000" y="2422564"/>
+            <a:ext cx="3135086" cy="697675"/>
+          </a:xfrm>
+          <a:prstGeom prst="rect">
+            <a:avLst/>
+          </a:prstGeom>
+          <a:solidFill>
+            <a:schemeClr val="tx2"/>
+          </a:solidFill>
+        </p:spPr>
+        <p:style>
+          <a:lnRef idx="3">
+            <a:schemeClr val="lt1"/>
+          </a:lnRef>
+          <a:fillRef idx="1">
+            <a:schemeClr val="dk1"/>
+          </a:fillRef>
+          <a:effectRef idx="1">
+            <a:schemeClr val="dk1"/>
+          </a:effectRef>
+          <a:fontRef idx="minor">
+            <a:schemeClr val="lt1"/>
+          </a:fontRef>
+        </p:style>
+        <p:txBody>
+          <a:bodyPr rtlCol="0" anchor="ctr"/>
+          <a:lstStyle/>
+          <a:p>
+            <a:pPr algn="ctr"/>
+            <a:r>
+              <a:rPr lang="en-US" dirty="0" err="1"/>
+              <a:t>Applikationsschicht</a:t>
+            </a:r>
+            <a:endParaRPr lang="en-DE" dirty="0"/>
+          </a:p>
+        </p:txBody>
+      </p:sp>
+      <p:sp>
+        <p:nvSpPr>
+          <p:cNvPr id="6" name="Rectangle 5">
+            <a:extLst>
+              <a:ext uri="{FF2B5EF4-FFF2-40B4-BE49-F238E27FC236}">
+                <a16:creationId xmlns:a16="http://schemas.microsoft.com/office/drawing/2014/main" id="{F5996793-D831-486C-BEAA-C1E97EEB5364}"/>
+              </a:ext>
+            </a:extLst>
+          </p:cNvPr>
+          <p:cNvSpPr/>
+          <p:nvPr/>
+        </p:nvSpPr>
+        <p:spPr>
+          <a:xfrm>
+            <a:off x="810000" y="3273630"/>
+            <a:ext cx="3135086" cy="697675"/>
+          </a:xfrm>
+          <a:prstGeom prst="rect">
+            <a:avLst/>
+          </a:prstGeom>
+        </p:spPr>
+        <p:style>
+          <a:lnRef idx="2">
+            <a:schemeClr val="accent1">
+              <a:shade val="50000"/>
+            </a:schemeClr>
+          </a:lnRef>
+          <a:fillRef idx="1">
+            <a:schemeClr val="accent1"/>
+          </a:fillRef>
+          <a:effectRef idx="0">
+            <a:schemeClr val="accent1"/>
+          </a:effectRef>
+          <a:fontRef idx="minor">
+            <a:schemeClr val="lt1"/>
+          </a:fontRef>
+        </p:style>
+        <p:txBody>
+          <a:bodyPr rtlCol="0" anchor="ctr"/>
+          <a:lstStyle/>
+          <a:p>
+            <a:pPr algn="ctr"/>
+            <a:r>
+              <a:rPr lang="en-US" dirty="0" err="1"/>
+              <a:t>Datenbank</a:t>
+            </a:r>
+            <a:endParaRPr lang="en-DE" dirty="0"/>
+          </a:p>
+        </p:txBody>
+      </p:sp>
+      <p:sp>
+        <p:nvSpPr>
+          <p:cNvPr id="8" name="Rectangle 7">
+            <a:extLst>
+              <a:ext uri="{FF2B5EF4-FFF2-40B4-BE49-F238E27FC236}">
+                <a16:creationId xmlns:a16="http://schemas.microsoft.com/office/drawing/2014/main" id="{ABBEEAB1-B8E9-4B23-80F7-E45D089E6CAD}"/>
+              </a:ext>
+            </a:extLst>
+          </p:cNvPr>
+          <p:cNvSpPr/>
+          <p:nvPr/>
+        </p:nvSpPr>
+        <p:spPr>
+          <a:xfrm>
+            <a:off x="810000" y="4124696"/>
+            <a:ext cx="3135086" cy="1545772"/>
+          </a:xfrm>
+          <a:prstGeom prst="rect">
+            <a:avLst/>
+          </a:prstGeom>
+        </p:spPr>
+        <p:style>
+          <a:lnRef idx="2">
+            <a:schemeClr val="accent1">
+              <a:shade val="50000"/>
+            </a:schemeClr>
+          </a:lnRef>
+          <a:fillRef idx="1">
+            <a:schemeClr val="accent1"/>
+          </a:fillRef>
+          <a:effectRef idx="0">
+            <a:schemeClr val="accent1"/>
+          </a:effectRef>
+          <a:fontRef idx="minor">
+            <a:schemeClr val="lt1"/>
+          </a:fontRef>
+        </p:style>
+        <p:txBody>
+          <a:bodyPr rtlCol="0" anchor="ctr"/>
+          <a:lstStyle/>
+          <a:p>
+            <a:pPr algn="ctr"/>
+            <a:r>
+              <a:rPr lang="en-US" dirty="0" err="1"/>
+              <a:t>logMerge</a:t>
+            </a:r>
+            <a:endParaRPr lang="en-US" dirty="0"/>
+          </a:p>
+          <a:p>
+            <a:pPr algn="ctr"/>
+            <a:endParaRPr lang="en-US" dirty="0"/>
+          </a:p>
+          <a:p>
+            <a:pPr algn="ctr"/>
+            <a:endParaRPr lang="en-US" dirty="0"/>
+          </a:p>
+          <a:p>
+            <a:pPr algn="ctr"/>
+            <a:endParaRPr lang="en-DE" dirty="0"/>
+          </a:p>
+        </p:txBody>
+      </p:sp>
+      <p:sp>
+        <p:nvSpPr>
+          <p:cNvPr id="12" name="Rectangle 11">
+            <a:extLst>
+              <a:ext uri="{FF2B5EF4-FFF2-40B4-BE49-F238E27FC236}">
+                <a16:creationId xmlns:a16="http://schemas.microsoft.com/office/drawing/2014/main" id="{15A800E9-C0A3-4B9B-92EC-4B273E5EDAD5}"/>
+              </a:ext>
+            </a:extLst>
+          </p:cNvPr>
+          <p:cNvSpPr/>
+          <p:nvPr/>
+        </p:nvSpPr>
+        <p:spPr>
+          <a:xfrm>
+            <a:off x="810000" y="5826828"/>
+            <a:ext cx="3135086" cy="697675"/>
+          </a:xfrm>
+          <a:prstGeom prst="rect">
+            <a:avLst/>
+          </a:prstGeom>
+        </p:spPr>
+        <p:style>
+          <a:lnRef idx="2">
+            <a:schemeClr val="accent1">
+              <a:shade val="50000"/>
+            </a:schemeClr>
+          </a:lnRef>
+          <a:fillRef idx="1">
+            <a:schemeClr val="accent1"/>
+          </a:fillRef>
+          <a:effectRef idx="0">
+            <a:schemeClr val="accent1"/>
+          </a:effectRef>
+          <a:fontRef idx="minor">
+            <a:schemeClr val="lt1"/>
+          </a:fontRef>
+        </p:style>
+        <p:txBody>
+          <a:bodyPr rtlCol="0" anchor="ctr"/>
+          <a:lstStyle/>
+          <a:p>
+            <a:pPr algn="ctr"/>
+            <a:r>
+              <a:rPr lang="en-US" dirty="0" err="1"/>
+              <a:t>Transportschicht</a:t>
+            </a:r>
+            <a:endParaRPr lang="en-DE" dirty="0"/>
+          </a:p>
+        </p:txBody>
+      </p:sp>
+      <p:sp>
+        <p:nvSpPr>
+          <p:cNvPr id="13" name="Rectangle 12">
+            <a:extLst>
+              <a:ext uri="{FF2B5EF4-FFF2-40B4-BE49-F238E27FC236}">
+                <a16:creationId xmlns:a16="http://schemas.microsoft.com/office/drawing/2014/main" id="{6E4BD40D-1A65-4D28-AF74-BABF384B2B63}"/>
+              </a:ext>
+            </a:extLst>
+          </p:cNvPr>
+          <p:cNvSpPr/>
+          <p:nvPr/>
+        </p:nvSpPr>
+        <p:spPr>
+          <a:xfrm>
+            <a:off x="1497529" y="5002481"/>
+            <a:ext cx="1760027" cy="427512"/>
+          </a:xfrm>
+          <a:prstGeom prst="rect">
+            <a:avLst/>
+          </a:prstGeom>
+        </p:spPr>
+        <p:style>
+          <a:lnRef idx="2">
+            <a:schemeClr val="accent2">
+              <a:shade val="50000"/>
+            </a:schemeClr>
+          </a:lnRef>
+          <a:fillRef idx="1">
+            <a:schemeClr val="accent2"/>
+          </a:fillRef>
+          <a:effectRef idx="0">
+            <a:schemeClr val="accent2"/>
+          </a:effectRef>
+          <a:fontRef idx="minor">
+            <a:schemeClr val="lt1"/>
+          </a:fontRef>
+        </p:style>
+        <p:txBody>
+          <a:bodyPr rtlCol="0" anchor="ctr"/>
+          <a:lstStyle/>
+          <a:p>
+            <a:pPr algn="ctr"/>
+            <a:r>
+              <a:rPr lang="en-US" dirty="0" err="1"/>
+              <a:t>feedCtrl</a:t>
+            </a:r>
+            <a:endParaRPr lang="en-DE" dirty="0"/>
+          </a:p>
+        </p:txBody>
+      </p:sp>
+      <p:sp>
+        <p:nvSpPr>
+          <p:cNvPr id="14" name="TextBox 13">
+            <a:extLst>
+              <a:ext uri="{FF2B5EF4-FFF2-40B4-BE49-F238E27FC236}">
+                <a16:creationId xmlns:a16="http://schemas.microsoft.com/office/drawing/2014/main" id="{E0DE8160-CEAA-401A-9B99-8B76162E1874}"/>
+              </a:ext>
+            </a:extLst>
+          </p:cNvPr>
+          <p:cNvSpPr txBox="1"/>
+          <p:nvPr/>
+        </p:nvSpPr>
+        <p:spPr>
+          <a:xfrm>
+            <a:off x="4079174" y="2422564"/>
+            <a:ext cx="3722914" cy="646331"/>
+          </a:xfrm>
+          <a:prstGeom prst="rect">
+            <a:avLst/>
+          </a:prstGeom>
+          <a:noFill/>
+        </p:spPr>
+        <p:txBody>
+          <a:bodyPr wrap="square" rtlCol="0">
+            <a:spAutoFit/>
+          </a:bodyPr>
+          <a:lstStyle/>
+          <a:p>
+            <a:r>
+              <a:rPr lang="en-US" dirty="0"/>
+              <a:t>User - GUI –</a:t>
+            </a:r>
+            <a:r>
+              <a:rPr lang="en-US" dirty="0" err="1"/>
+              <a:t>Projekte</a:t>
+            </a:r>
+            <a:endParaRPr lang="en-US" dirty="0"/>
+          </a:p>
+          <a:p>
+            <a:r>
+              <a:rPr lang="en-US" dirty="0"/>
+              <a:t>Chat etc.</a:t>
+            </a:r>
+            <a:endParaRPr lang="en-DE" dirty="0"/>
+          </a:p>
+        </p:txBody>
+      </p:sp>
+      <p:sp>
+        <p:nvSpPr>
+          <p:cNvPr id="16" name="TextBox 15">
+            <a:extLst>
+              <a:ext uri="{FF2B5EF4-FFF2-40B4-BE49-F238E27FC236}">
+                <a16:creationId xmlns:a16="http://schemas.microsoft.com/office/drawing/2014/main" id="{12FD038A-ABC3-45ED-AAAF-E7C567782071}"/>
+              </a:ext>
+            </a:extLst>
+          </p:cNvPr>
+          <p:cNvSpPr txBox="1"/>
+          <p:nvPr/>
+        </p:nvSpPr>
+        <p:spPr>
+          <a:xfrm>
+            <a:off x="4079174" y="3437801"/>
+            <a:ext cx="3722914" cy="369332"/>
+          </a:xfrm>
+          <a:prstGeom prst="rect">
+            <a:avLst/>
+          </a:prstGeom>
+          <a:noFill/>
+        </p:spPr>
+        <p:txBody>
+          <a:bodyPr wrap="square" rtlCol="0">
+            <a:spAutoFit/>
+          </a:bodyPr>
+          <a:lstStyle/>
+          <a:p>
+            <a:r>
+              <a:rPr lang="en-US" dirty="0"/>
+              <a:t>Gruppe 7</a:t>
+            </a:r>
+            <a:endParaRPr lang="en-DE" dirty="0"/>
+          </a:p>
+        </p:txBody>
+      </p:sp>
+      <p:sp>
+        <p:nvSpPr>
+          <p:cNvPr id="20" name="TextBox 19">
+            <a:extLst>
+              <a:ext uri="{FF2B5EF4-FFF2-40B4-BE49-F238E27FC236}">
+                <a16:creationId xmlns:a16="http://schemas.microsoft.com/office/drawing/2014/main" id="{EF915D59-F6C3-41F9-A421-5F9F6EBD1667}"/>
+              </a:ext>
+            </a:extLst>
+          </p:cNvPr>
+          <p:cNvSpPr txBox="1"/>
+          <p:nvPr/>
+        </p:nvSpPr>
+        <p:spPr>
+          <a:xfrm>
+            <a:off x="4079174" y="5878172"/>
+            <a:ext cx="3722914" cy="646331"/>
+          </a:xfrm>
+          <a:prstGeom prst="rect">
+            <a:avLst/>
+          </a:prstGeom>
+          <a:noFill/>
+        </p:spPr>
+        <p:txBody>
+          <a:bodyPr wrap="square" rtlCol="0">
+            <a:spAutoFit/>
+          </a:bodyPr>
+          <a:lstStyle/>
+          <a:p>
+            <a:r>
+              <a:rPr lang="en-US" dirty="0" err="1"/>
+              <a:t>Senden</a:t>
+            </a:r>
+            <a:r>
+              <a:rPr lang="en-US" dirty="0"/>
+              <a:t> der .</a:t>
+            </a:r>
+            <a:r>
+              <a:rPr lang="en-US" dirty="0" err="1"/>
+              <a:t>pcap-Pakete</a:t>
+            </a:r>
+            <a:endParaRPr lang="en-US" dirty="0"/>
+          </a:p>
+          <a:p>
+            <a:r>
+              <a:rPr lang="en-US" dirty="0"/>
+              <a:t>(Gruppen 1 und 13)</a:t>
+            </a:r>
+            <a:endParaRPr lang="en-DE" dirty="0"/>
+          </a:p>
+        </p:txBody>
+      </p:sp>
+      <p:sp>
+        <p:nvSpPr>
+          <p:cNvPr id="29" name="Arrow: Up-Down 28">
+            <a:extLst>
+              <a:ext uri="{FF2B5EF4-FFF2-40B4-BE49-F238E27FC236}">
+                <a16:creationId xmlns:a16="http://schemas.microsoft.com/office/drawing/2014/main" id="{8121CB05-ED94-45EC-AFE6-A79BA3E9FFDF}"/>
+              </a:ext>
+            </a:extLst>
+          </p:cNvPr>
+          <p:cNvSpPr/>
+          <p:nvPr/>
+        </p:nvSpPr>
+        <p:spPr>
+          <a:xfrm>
+            <a:off x="3636328" y="5496795"/>
+            <a:ext cx="170953" cy="549233"/>
+          </a:xfrm>
+          <a:prstGeom prst="upDownArrow">
+            <a:avLst/>
+          </a:prstGeom>
+        </p:spPr>
+        <p:style>
+          <a:lnRef idx="2">
+            <a:schemeClr val="accent3">
+              <a:shade val="50000"/>
+            </a:schemeClr>
+          </a:lnRef>
+          <a:fillRef idx="1">
+            <a:schemeClr val="accent3"/>
+          </a:fillRef>
+          <a:effectRef idx="0">
+            <a:schemeClr val="accent3"/>
+          </a:effectRef>
+          <a:fontRef idx="minor">
+            <a:schemeClr val="lt1"/>
+          </a:fontRef>
+        </p:style>
+        <p:txBody>
+          <a:bodyPr rtlCol="0" anchor="ctr"/>
+          <a:lstStyle/>
+          <a:p>
+            <a:pPr algn="ctr"/>
+            <a:endParaRPr lang="en-DE"/>
+          </a:p>
+        </p:txBody>
+      </p:sp>
+      <p:sp>
+        <p:nvSpPr>
+          <p:cNvPr id="31" name="Arrow: Up-Down 30">
+            <a:extLst>
+              <a:ext uri="{FF2B5EF4-FFF2-40B4-BE49-F238E27FC236}">
+                <a16:creationId xmlns:a16="http://schemas.microsoft.com/office/drawing/2014/main" id="{D75A887D-9C0F-425C-A9C3-3DEE8E63BD76}"/>
+              </a:ext>
+            </a:extLst>
+          </p:cNvPr>
+          <p:cNvSpPr/>
+          <p:nvPr/>
+        </p:nvSpPr>
+        <p:spPr>
+          <a:xfrm>
+            <a:off x="3636328" y="3782788"/>
+            <a:ext cx="170953" cy="549233"/>
+          </a:xfrm>
+          <a:prstGeom prst="upDownArrow">
+            <a:avLst/>
+          </a:prstGeom>
+        </p:spPr>
+        <p:style>
+          <a:lnRef idx="2">
+            <a:schemeClr val="accent3">
+              <a:shade val="50000"/>
+            </a:schemeClr>
+          </a:lnRef>
+          <a:fillRef idx="1">
+            <a:schemeClr val="accent3"/>
+          </a:fillRef>
+          <a:effectRef idx="0">
+            <a:schemeClr val="accent3"/>
+          </a:effectRef>
+          <a:fontRef idx="minor">
+            <a:schemeClr val="lt1"/>
+          </a:fontRef>
+        </p:style>
+        <p:txBody>
+          <a:bodyPr rtlCol="0" anchor="ctr"/>
+          <a:lstStyle/>
+          <a:p>
+            <a:pPr algn="ctr"/>
+            <a:endParaRPr lang="en-DE"/>
+          </a:p>
+        </p:txBody>
+      </p:sp>
+      <p:sp>
+        <p:nvSpPr>
+          <p:cNvPr id="33" name="TextBox 32">
+            <a:extLst>
+              <a:ext uri="{FF2B5EF4-FFF2-40B4-BE49-F238E27FC236}">
+                <a16:creationId xmlns:a16="http://schemas.microsoft.com/office/drawing/2014/main" id="{BEE7E9DC-C9A5-499B-96CC-A2093E44D278}"/>
+              </a:ext>
+            </a:extLst>
+          </p:cNvPr>
+          <p:cNvSpPr txBox="1"/>
+          <p:nvPr/>
+        </p:nvSpPr>
+        <p:spPr>
+          <a:xfrm>
+            <a:off x="4079174" y="5031571"/>
+            <a:ext cx="3722914" cy="369332"/>
+          </a:xfrm>
+          <a:prstGeom prst="rect">
+            <a:avLst/>
+          </a:prstGeom>
+          <a:noFill/>
+        </p:spPr>
+        <p:txBody>
+          <a:bodyPr wrap="square" rtlCol="0">
+            <a:spAutoFit/>
+          </a:bodyPr>
+          <a:lstStyle/>
+          <a:p>
+            <a:r>
+              <a:rPr lang="en-US" dirty="0"/>
+              <a:t>Gruppe 14</a:t>
+            </a:r>
+            <a:endParaRPr lang="en-DE" dirty="0"/>
+          </a:p>
+        </p:txBody>
+      </p:sp>
+      <p:sp>
+        <p:nvSpPr>
+          <p:cNvPr id="35" name="TextBox 34">
+            <a:extLst>
+              <a:ext uri="{FF2B5EF4-FFF2-40B4-BE49-F238E27FC236}">
+                <a16:creationId xmlns:a16="http://schemas.microsoft.com/office/drawing/2014/main" id="{3B688864-CDB5-4804-BC8E-90F6BCC4235C}"/>
+              </a:ext>
+            </a:extLst>
+          </p:cNvPr>
+          <p:cNvSpPr txBox="1"/>
+          <p:nvPr/>
+        </p:nvSpPr>
+        <p:spPr>
+          <a:xfrm>
+            <a:off x="4079174" y="4332021"/>
+            <a:ext cx="3722914" cy="369332"/>
+          </a:xfrm>
+          <a:prstGeom prst="rect">
+            <a:avLst/>
+          </a:prstGeom>
+          <a:noFill/>
+        </p:spPr>
+        <p:txBody>
+          <a:bodyPr wrap="square" rtlCol="0">
+            <a:spAutoFit/>
+          </a:bodyPr>
+          <a:lstStyle/>
+          <a:p>
+            <a:r>
+              <a:rPr lang="en-US" dirty="0" err="1"/>
+              <a:t>Wir</a:t>
+            </a:r>
+            <a:endParaRPr lang="en-DE" dirty="0"/>
+          </a:p>
+        </p:txBody>
+      </p:sp>
+      <p:sp>
+        <p:nvSpPr>
+          <p:cNvPr id="37" name="Arrow: Up-Down 36">
+            <a:extLst>
+              <a:ext uri="{FF2B5EF4-FFF2-40B4-BE49-F238E27FC236}">
+                <a16:creationId xmlns:a16="http://schemas.microsoft.com/office/drawing/2014/main" id="{D64FF4F1-7ADC-4A4D-9957-008E067ABBEB}"/>
+              </a:ext>
+            </a:extLst>
+          </p:cNvPr>
+          <p:cNvSpPr/>
+          <p:nvPr/>
+        </p:nvSpPr>
+        <p:spPr>
+          <a:xfrm>
+            <a:off x="3061854" y="5277591"/>
+            <a:ext cx="119993" cy="316677"/>
+          </a:xfrm>
+          <a:prstGeom prst="upDownArrow">
+            <a:avLst/>
+          </a:prstGeom>
+        </p:spPr>
+        <p:style>
+          <a:lnRef idx="2">
+            <a:schemeClr val="accent6">
+              <a:shade val="50000"/>
+            </a:schemeClr>
+          </a:lnRef>
+          <a:fillRef idx="1">
+            <a:schemeClr val="accent6"/>
+          </a:fillRef>
+          <a:effectRef idx="0">
+            <a:schemeClr val="accent6"/>
+          </a:effectRef>
+          <a:fontRef idx="minor">
+            <a:schemeClr val="lt1"/>
+          </a:fontRef>
+        </p:style>
+        <p:txBody>
+          <a:bodyPr rtlCol="0" anchor="ctr"/>
+          <a:lstStyle/>
+          <a:p>
+            <a:pPr algn="ctr"/>
+            <a:endParaRPr lang="en-DE"/>
+          </a:p>
+        </p:txBody>
+      </p:sp>
+      <p:sp>
+        <p:nvSpPr>
+          <p:cNvPr id="39" name="Arrow: Up-Down 38">
+            <a:extLst>
+              <a:ext uri="{FF2B5EF4-FFF2-40B4-BE49-F238E27FC236}">
+                <a16:creationId xmlns:a16="http://schemas.microsoft.com/office/drawing/2014/main" id="{8065D02A-9C7D-402F-873F-8DE742D6A918}"/>
+              </a:ext>
+            </a:extLst>
+          </p:cNvPr>
+          <p:cNvSpPr/>
+          <p:nvPr/>
+        </p:nvSpPr>
+        <p:spPr>
+          <a:xfrm>
+            <a:off x="3061854" y="4846121"/>
+            <a:ext cx="119993" cy="316677"/>
+          </a:xfrm>
+          <a:prstGeom prst="upDownArrow">
+            <a:avLst/>
+          </a:prstGeom>
+        </p:spPr>
+        <p:style>
+          <a:lnRef idx="2">
+            <a:schemeClr val="accent6">
+              <a:shade val="50000"/>
+            </a:schemeClr>
+          </a:lnRef>
+          <a:fillRef idx="1">
+            <a:schemeClr val="accent6"/>
+          </a:fillRef>
+          <a:effectRef idx="0">
+            <a:schemeClr val="accent6"/>
+          </a:effectRef>
+          <a:fontRef idx="minor">
+            <a:schemeClr val="lt1"/>
+          </a:fontRef>
+        </p:style>
+        <p:txBody>
+          <a:bodyPr rtlCol="0" anchor="ctr"/>
+          <a:lstStyle/>
+          <a:p>
+            <a:pPr algn="ctr"/>
+            <a:endParaRPr lang="en-DE"/>
+          </a:p>
+        </p:txBody>
+      </p:sp>
+      <p:sp>
+        <p:nvSpPr>
+          <p:cNvPr id="3" name="TextBox 2">
+            <a:extLst>
+              <a:ext uri="{FF2B5EF4-FFF2-40B4-BE49-F238E27FC236}">
+                <a16:creationId xmlns:a16="http://schemas.microsoft.com/office/drawing/2014/main" id="{4921EFA3-D27A-48B6-A84E-423F037F0FBB}"/>
+              </a:ext>
+            </a:extLst>
+          </p:cNvPr>
+          <p:cNvSpPr txBox="1"/>
+          <p:nvPr/>
+        </p:nvSpPr>
+        <p:spPr>
+          <a:xfrm>
+            <a:off x="7557247" y="3872738"/>
+            <a:ext cx="3321423" cy="369332"/>
+          </a:xfrm>
+          <a:prstGeom prst="rect">
+            <a:avLst/>
+          </a:prstGeom>
+          <a:noFill/>
+        </p:spPr>
+        <p:txBody>
+          <a:bodyPr wrap="square" rtlCol="0">
+            <a:spAutoFit/>
+          </a:bodyPr>
+          <a:lstStyle/>
+          <a:p>
+            <a:r>
+              <a:rPr lang="en-US" dirty="0" err="1"/>
+              <a:t>Schnittstelle</a:t>
+            </a:r>
+            <a:r>
+              <a:rPr lang="en-US" dirty="0"/>
+              <a:t> von G7 </a:t>
+            </a:r>
+            <a:r>
+              <a:rPr lang="en-US" dirty="0" err="1"/>
+              <a:t>für</a:t>
+            </a:r>
+            <a:r>
+              <a:rPr lang="en-US" dirty="0"/>
+              <a:t> </a:t>
+            </a:r>
+            <a:r>
+              <a:rPr lang="en-US" dirty="0" err="1"/>
+              <a:t>uns</a:t>
+            </a:r>
+            <a:endParaRPr lang="en-DE" dirty="0"/>
+          </a:p>
+        </p:txBody>
+      </p:sp>
+      <p:sp>
+        <p:nvSpPr>
+          <p:cNvPr id="5" name="TextBox 4">
+            <a:extLst>
+              <a:ext uri="{FF2B5EF4-FFF2-40B4-BE49-F238E27FC236}">
+                <a16:creationId xmlns:a16="http://schemas.microsoft.com/office/drawing/2014/main" id="{B2C04CC6-3693-4604-92DF-A01BA960E419}"/>
+              </a:ext>
+            </a:extLst>
+          </p:cNvPr>
+          <p:cNvSpPr txBox="1"/>
+          <p:nvPr/>
+        </p:nvSpPr>
+        <p:spPr>
+          <a:xfrm>
+            <a:off x="7557247" y="5585750"/>
+            <a:ext cx="4074634" cy="369332"/>
+          </a:xfrm>
+          <a:prstGeom prst="rect">
+            <a:avLst/>
+          </a:prstGeom>
+          <a:noFill/>
+        </p:spPr>
+        <p:txBody>
+          <a:bodyPr wrap="square" rtlCol="0">
+            <a:spAutoFit/>
+          </a:bodyPr>
+          <a:lstStyle/>
+          <a:p>
+            <a:r>
+              <a:rPr lang="en-US" dirty="0" err="1"/>
+              <a:t>Schnittstelle</a:t>
+            </a:r>
+            <a:r>
+              <a:rPr lang="en-US" dirty="0"/>
+              <a:t> von </a:t>
+            </a:r>
+            <a:r>
+              <a:rPr lang="en-US" dirty="0" err="1"/>
+              <a:t>uns</a:t>
+            </a:r>
+            <a:r>
+              <a:rPr lang="en-US" dirty="0"/>
+              <a:t> an G13 / G1</a:t>
+            </a:r>
+            <a:endParaRPr lang="en-DE" dirty="0"/>
+          </a:p>
+        </p:txBody>
+      </p:sp>
+      <p:cxnSp>
+        <p:nvCxnSpPr>
+          <p:cNvPr id="9" name="Straight Arrow Connector 8">
+            <a:extLst>
+              <a:ext uri="{FF2B5EF4-FFF2-40B4-BE49-F238E27FC236}">
+                <a16:creationId xmlns:a16="http://schemas.microsoft.com/office/drawing/2014/main" id="{B9C06942-9959-45B1-B2D1-8B20A9DC2151}"/>
+              </a:ext>
+            </a:extLst>
+          </p:cNvPr>
+          <p:cNvCxnSpPr>
+            <a:cxnSpLocks/>
+            <a:stCxn id="3" idx="1"/>
+            <a:endCxn id="31" idx="6"/>
+          </p:cNvCxnSpPr>
+          <p:nvPr/>
+        </p:nvCxnSpPr>
+        <p:spPr>
+          <a:xfrm flipH="1">
+            <a:off x="3764543" y="4057404"/>
+            <a:ext cx="3792704" cy="1"/>
+          </a:xfrm>
+          <a:prstGeom prst="straightConnector1">
+            <a:avLst/>
+          </a:prstGeom>
+          <a:ln>
+            <a:tailEnd type="triangle"/>
+          </a:ln>
+        </p:spPr>
+        <p:style>
+          <a:lnRef idx="1">
+            <a:schemeClr val="accent1"/>
+          </a:lnRef>
+          <a:fillRef idx="0">
+            <a:schemeClr val="accent1"/>
+          </a:fillRef>
+          <a:effectRef idx="0">
+            <a:schemeClr val="accent1"/>
+          </a:effectRef>
+          <a:fontRef idx="minor">
+            <a:schemeClr val="tx1"/>
+          </a:fontRef>
+        </p:style>
+      </p:cxnSp>
+      <p:cxnSp>
+        <p:nvCxnSpPr>
+          <p:cNvPr id="23" name="Straight Arrow Connector 22">
+            <a:extLst>
+              <a:ext uri="{FF2B5EF4-FFF2-40B4-BE49-F238E27FC236}">
+                <a16:creationId xmlns:a16="http://schemas.microsoft.com/office/drawing/2014/main" id="{76B2E320-2ADF-4B22-AE38-BFF1BE8C218D}"/>
+              </a:ext>
+            </a:extLst>
+          </p:cNvPr>
+          <p:cNvCxnSpPr>
+            <a:cxnSpLocks/>
+          </p:cNvCxnSpPr>
+          <p:nvPr/>
+        </p:nvCxnSpPr>
+        <p:spPr>
+          <a:xfrm flipH="1">
+            <a:off x="3764543" y="5785748"/>
+            <a:ext cx="3792704" cy="1"/>
+          </a:xfrm>
+          <a:prstGeom prst="straightConnector1">
+            <a:avLst/>
+          </a:prstGeom>
+          <a:ln>
+            <a:tailEnd type="triangle"/>
+          </a:ln>
+        </p:spPr>
+        <p:style>
+          <a:lnRef idx="1">
+            <a:schemeClr val="accent1"/>
+          </a:lnRef>
+          <a:fillRef idx="0">
+            <a:schemeClr val="accent1"/>
+          </a:fillRef>
+          <a:effectRef idx="0">
+            <a:schemeClr val="accent1"/>
+          </a:effectRef>
+          <a:fontRef idx="minor">
+            <a:schemeClr val="tx1"/>
+          </a:fontRef>
+        </p:style>
+      </p:cxnSp>
+      <p:sp>
+        <p:nvSpPr>
+          <p:cNvPr id="11" name="TextBox 10">
+            <a:extLst>
+              <a:ext uri="{FF2B5EF4-FFF2-40B4-BE49-F238E27FC236}">
+                <a16:creationId xmlns:a16="http://schemas.microsoft.com/office/drawing/2014/main" id="{360CD7DC-EC11-47AA-983E-DC3F1979BF12}"/>
+              </a:ext>
+            </a:extLst>
+          </p:cNvPr>
+          <p:cNvSpPr txBox="1"/>
+          <p:nvPr/>
+        </p:nvSpPr>
+        <p:spPr>
+          <a:xfrm>
+            <a:off x="7557247" y="5031571"/>
+            <a:ext cx="4074634" cy="369332"/>
+          </a:xfrm>
+          <a:prstGeom prst="rect">
+            <a:avLst/>
+          </a:prstGeom>
+          <a:noFill/>
+        </p:spPr>
+        <p:txBody>
+          <a:bodyPr wrap="square" rtlCol="0">
+            <a:spAutoFit/>
+          </a:bodyPr>
+          <a:lstStyle/>
+          <a:p>
+            <a:r>
+              <a:rPr lang="en-US" dirty="0" err="1"/>
+              <a:t>Vollständige</a:t>
+            </a:r>
+            <a:r>
+              <a:rPr lang="en-US" dirty="0"/>
+              <a:t> Integration</a:t>
+            </a:r>
+            <a:endParaRPr lang="en-DE" dirty="0"/>
+          </a:p>
+        </p:txBody>
+      </p:sp>
+      <p:cxnSp>
+        <p:nvCxnSpPr>
+          <p:cNvPr id="26" name="Straight Arrow Connector 25">
+            <a:extLst>
+              <a:ext uri="{FF2B5EF4-FFF2-40B4-BE49-F238E27FC236}">
+                <a16:creationId xmlns:a16="http://schemas.microsoft.com/office/drawing/2014/main" id="{4737B4EA-9E45-4833-A6D0-6DD0BE4B1C60}"/>
+              </a:ext>
+            </a:extLst>
+          </p:cNvPr>
+          <p:cNvCxnSpPr>
+            <a:cxnSpLocks/>
+            <a:stCxn id="11" idx="1"/>
+          </p:cNvCxnSpPr>
+          <p:nvPr/>
+        </p:nvCxnSpPr>
+        <p:spPr>
+          <a:xfrm flipH="1">
+            <a:off x="5462649" y="5216237"/>
+            <a:ext cx="2094598" cy="0"/>
+          </a:xfrm>
+          <a:prstGeom prst="straightConnector1">
+            <a:avLst/>
+          </a:prstGeom>
+          <a:ln>
+            <a:tailEnd type="triangle"/>
+          </a:ln>
+        </p:spPr>
+        <p:style>
+          <a:lnRef idx="1">
+            <a:schemeClr val="accent1"/>
+          </a:lnRef>
+          <a:fillRef idx="0">
+            <a:schemeClr val="accent1"/>
+          </a:fillRef>
+          <a:effectRef idx="0">
+            <a:schemeClr val="accent1"/>
+          </a:effectRef>
+          <a:fontRef idx="minor">
+            <a:schemeClr val="tx1"/>
+          </a:fontRef>
+        </p:style>
+      </p:cxnSp>
     </p:spTree>
     <p:extLst>
       <p:ext uri="{BB962C8B-B14F-4D97-AF65-F5344CB8AC3E}">
-        <p14:creationId xmlns:p14="http://schemas.microsoft.com/office/powerpoint/2010/main" val="1903722945"/>
+        <p14:creationId xmlns:p14="http://schemas.microsoft.com/office/powerpoint/2010/main" val="1273272523"/>
       </p:ext>
     </p:extLst>
   </p:cSld>
@@ -5906,10 +8655,322 @@
       </p:grpSpPr>
       <p:sp>
         <p:nvSpPr>
+          <p:cNvPr id="2" name="Title 1">
+            <a:extLst>
+              <a:ext uri="{FF2B5EF4-FFF2-40B4-BE49-F238E27FC236}">
+                <a16:creationId xmlns:a16="http://schemas.microsoft.com/office/drawing/2014/main" id="{278D2274-3D29-4454-9D51-4548ECCC8171}"/>
+              </a:ext>
+            </a:extLst>
+          </p:cNvPr>
+          <p:cNvSpPr>
+            <a:spLocks noGrp="1"/>
+          </p:cNvSpPr>
+          <p:nvPr>
+            <p:ph type="title"/>
+          </p:nvPr>
+        </p:nvSpPr>
+        <p:spPr/>
+        <p:txBody>
+          <a:bodyPr/>
+          <a:lstStyle/>
+          <a:p>
+            <a:r>
+              <a:rPr lang="en-US" dirty="0" err="1"/>
+              <a:t>Schnittstellen</a:t>
+            </a:r>
+            <a:endParaRPr lang="en-DE" dirty="0"/>
+          </a:p>
+        </p:txBody>
+      </p:sp>
+      <p:sp>
+        <p:nvSpPr>
+          <p:cNvPr id="3" name="Content Placeholder 2">
+            <a:extLst>
+              <a:ext uri="{FF2B5EF4-FFF2-40B4-BE49-F238E27FC236}">
+                <a16:creationId xmlns:a16="http://schemas.microsoft.com/office/drawing/2014/main" id="{0EBC4E01-9A24-4B3D-B900-6355FA6328FF}"/>
+              </a:ext>
+            </a:extLst>
+          </p:cNvPr>
+          <p:cNvSpPr>
+            <a:spLocks noGrp="1"/>
+          </p:cNvSpPr>
+          <p:nvPr>
+            <p:ph idx="1"/>
+          </p:nvPr>
+        </p:nvSpPr>
+        <p:spPr>
+          <a:xfrm>
+            <a:off x="818712" y="2222287"/>
+            <a:ext cx="10554574" cy="4188525"/>
+          </a:xfrm>
+        </p:spPr>
+        <p:txBody>
+          <a:bodyPr>
+            <a:normAutofit/>
+          </a:bodyPr>
+          <a:lstStyle/>
+          <a:p>
+            <a:r>
+              <a:rPr lang="en-US" dirty="0" err="1"/>
+              <a:t>Zur</a:t>
+            </a:r>
+            <a:r>
+              <a:rPr lang="en-US" dirty="0"/>
+              <a:t> Gruppe 7:</a:t>
+            </a:r>
+          </a:p>
+          <a:p>
+            <a:pPr lvl="1"/>
+            <a:r>
+              <a:rPr lang="en-US" dirty="0" err="1"/>
+              <a:t>get_current_seq_no</a:t>
+            </a:r>
+            <a:r>
+              <a:rPr lang="en-US" dirty="0"/>
+              <a:t>(</a:t>
+            </a:r>
+            <a:r>
+              <a:rPr lang="en-US" dirty="0" err="1"/>
+              <a:t>feed_id</a:t>
+            </a:r>
+            <a:r>
+              <a:rPr lang="en-US" dirty="0"/>
+              <a:t>): </a:t>
+            </a:r>
+            <a:r>
+              <a:rPr lang="en-US" dirty="0" err="1"/>
+              <a:t>seq_no</a:t>
+            </a:r>
+            <a:r>
+              <a:rPr lang="en-US" dirty="0"/>
+              <a:t> </a:t>
+            </a:r>
+          </a:p>
+          <a:p>
+            <a:pPr lvl="1"/>
+            <a:r>
+              <a:rPr lang="en-US" dirty="0" err="1"/>
+              <a:t>get_event</a:t>
+            </a:r>
+            <a:r>
+              <a:rPr lang="en-US" dirty="0"/>
+              <a:t>(</a:t>
+            </a:r>
+            <a:r>
+              <a:rPr lang="en-US" dirty="0" err="1"/>
+              <a:t>feed_id</a:t>
+            </a:r>
+            <a:r>
+              <a:rPr lang="en-US" dirty="0"/>
+              <a:t>, </a:t>
+            </a:r>
+            <a:r>
+              <a:rPr lang="en-US" dirty="0" err="1"/>
+              <a:t>seq_no</a:t>
+            </a:r>
+            <a:r>
+              <a:rPr lang="en-US" dirty="0"/>
+              <a:t>): event</a:t>
+            </a:r>
+          </a:p>
+          <a:p>
+            <a:pPr lvl="1"/>
+            <a:r>
+              <a:rPr lang="en-US" dirty="0" err="1"/>
+              <a:t>get_current_event</a:t>
+            </a:r>
+            <a:r>
+              <a:rPr lang="en-US" dirty="0"/>
+              <a:t>(</a:t>
+            </a:r>
+            <a:r>
+              <a:rPr lang="en-US" dirty="0" err="1"/>
+              <a:t>feed_id</a:t>
+            </a:r>
+            <a:r>
+              <a:rPr lang="en-US" dirty="0"/>
+              <a:t>): event</a:t>
+            </a:r>
+          </a:p>
+          <a:p>
+            <a:pPr lvl="1"/>
+            <a:r>
+              <a:rPr lang="en-US" dirty="0" err="1"/>
+              <a:t>add_event</a:t>
+            </a:r>
+            <a:r>
+              <a:rPr lang="en-US" dirty="0"/>
+              <a:t>(</a:t>
+            </a:r>
+            <a:r>
+              <a:rPr lang="en-US" dirty="0" err="1"/>
+              <a:t>feed_id</a:t>
+            </a:r>
+            <a:r>
+              <a:rPr lang="en-US" dirty="0"/>
+              <a:t>, </a:t>
+            </a:r>
+            <a:r>
+              <a:rPr lang="en-US" dirty="0" err="1"/>
+              <a:t>seq_no</a:t>
+            </a:r>
+            <a:r>
+              <a:rPr lang="en-US" dirty="0"/>
+              <a:t>, event): void</a:t>
+            </a:r>
+          </a:p>
+          <a:p>
+            <a:pPr lvl="1"/>
+            <a:r>
+              <a:rPr lang="en-US" dirty="0" err="1"/>
+              <a:t>get_secret_hmac_key</a:t>
+            </a:r>
+            <a:r>
+              <a:rPr lang="en-US" dirty="0"/>
+              <a:t>(</a:t>
+            </a:r>
+            <a:r>
+              <a:rPr lang="en-US" dirty="0" err="1"/>
+              <a:t>feed_id</a:t>
+            </a:r>
+            <a:r>
+              <a:rPr lang="en-US" dirty="0"/>
+              <a:t>): </a:t>
+            </a:r>
+            <a:r>
+              <a:rPr lang="en-US" dirty="0" err="1"/>
+              <a:t>secret_key</a:t>
+            </a:r>
+            <a:endParaRPr lang="en-US" dirty="0"/>
+          </a:p>
+          <a:p>
+            <a:r>
+              <a:rPr lang="en-US" dirty="0" err="1"/>
+              <a:t>Zur</a:t>
+            </a:r>
+            <a:r>
+              <a:rPr lang="en-US" dirty="0"/>
+              <a:t> Gruppe 13 / 1:</a:t>
+            </a:r>
+          </a:p>
+          <a:p>
+            <a:pPr lvl="1"/>
+            <a:r>
+              <a:rPr lang="en-US" dirty="0" err="1"/>
+              <a:t>export_logs</a:t>
+            </a:r>
+            <a:r>
+              <a:rPr lang="en-US" dirty="0"/>
+              <a:t>(</a:t>
+            </a:r>
+            <a:r>
+              <a:rPr lang="en-US" dirty="0" err="1"/>
+              <a:t>path_to_pcap_folder</a:t>
+            </a:r>
+            <a:r>
+              <a:rPr lang="en-US" dirty="0"/>
+              <a:t>, </a:t>
+            </a:r>
+            <a:r>
+              <a:rPr lang="en-US" dirty="0" err="1"/>
+              <a:t>dict_feed_id_current_seq_no</a:t>
+            </a:r>
+            <a:r>
+              <a:rPr lang="en-US" dirty="0"/>
+              <a:t>, </a:t>
+            </a:r>
+            <a:r>
+              <a:rPr lang="en-US" dirty="0" err="1"/>
+              <a:t>maximum_events_per_feed_id</a:t>
+            </a:r>
+            <a:r>
+              <a:rPr lang="en-US" dirty="0"/>
+              <a:t>)</a:t>
+            </a:r>
+          </a:p>
+          <a:p>
+            <a:pPr lvl="1"/>
+            <a:r>
+              <a:rPr lang="en-US" dirty="0" err="1"/>
+              <a:t>import_logs</a:t>
+            </a:r>
+            <a:r>
+              <a:rPr lang="en-US" dirty="0"/>
+              <a:t>(self, </a:t>
+            </a:r>
+            <a:r>
+              <a:rPr lang="en-US" dirty="0" err="1"/>
+              <a:t>paths_of_pcap_files</a:t>
+            </a:r>
+            <a:r>
+              <a:rPr lang="en-US" dirty="0"/>
+              <a:t>)</a:t>
+            </a:r>
+          </a:p>
+          <a:p>
+            <a:r>
+              <a:rPr lang="en-US" dirty="0" err="1"/>
+              <a:t>Zur</a:t>
+            </a:r>
+            <a:r>
+              <a:rPr lang="en-US" dirty="0"/>
+              <a:t> Gruppe 14:</a:t>
+            </a:r>
+          </a:p>
+          <a:p>
+            <a:pPr lvl="1"/>
+            <a:r>
+              <a:rPr lang="en-US" dirty="0" err="1"/>
+              <a:t>Absprache</a:t>
+            </a:r>
+            <a:r>
+              <a:rPr lang="en-US" dirty="0"/>
+              <a:t> </a:t>
+            </a:r>
+            <a:r>
+              <a:rPr lang="en-US" dirty="0" err="1"/>
+              <a:t>nötig</a:t>
+            </a:r>
+            <a:endParaRPr lang="en-DE" dirty="0"/>
+          </a:p>
+        </p:txBody>
+      </p:sp>
+    </p:spTree>
+    <p:extLst>
+      <p:ext uri="{BB962C8B-B14F-4D97-AF65-F5344CB8AC3E}">
+        <p14:creationId xmlns:p14="http://schemas.microsoft.com/office/powerpoint/2010/main" val="3672911600"/>
+      </p:ext>
+    </p:extLst>
+  </p:cSld>
+  <p:clrMapOvr>
+    <a:masterClrMapping/>
+  </p:clrMapOvr>
+</p:sld>
+</file>
+
+<file path=ppt/slides/slide7.xml><?xml version="1.0" encoding="utf-8"?>
+<p:sld xmlns:a="http://schemas.openxmlformats.org/drawingml/2006/main" xmlns:r="http://schemas.openxmlformats.org/officeDocument/2006/relationships" xmlns:p="http://schemas.openxmlformats.org/presentationml/2006/main">
+  <p:cSld>
+    <p:spTree>
+      <p:nvGrpSpPr>
+        <p:cNvPr id="1" name=""/>
+        <p:cNvGrpSpPr/>
+        <p:nvPr/>
+      </p:nvGrpSpPr>
+      <p:grpSpPr>
+        <a:xfrm>
+          <a:off x="0" y="0"/>
+          <a:ext cx="0" cy="0"/>
+          <a:chOff x="0" y="0"/>
+          <a:chExt cx="0" cy="0"/>
+        </a:xfrm>
+      </p:grpSpPr>
+      <p:sp>
+        <p:nvSpPr>
           <p:cNvPr id="2" name="Titel 1">
             <a:extLst>
               <a:ext uri="{FF2B5EF4-FFF2-40B4-BE49-F238E27FC236}">
-                <a16:creationId xmlns:a16="http://schemas.microsoft.com/office/drawing/2014/main" id="{1446F174-F937-4C29-A971-2E1DEC90C783}"/>
+                <a16:creationId xmlns:a16="http://schemas.microsoft.com/office/drawing/2014/main" id="{32A31E6A-2B28-4B23-AC30-63F9D273D7DD}"/>
               </a:ext>
             </a:extLst>
           </p:cNvPr>
@@ -5927,15 +8988,7 @@
           <a:p>
             <a:r>
               <a:rPr lang="de-CH" dirty="0"/>
-              <a:t>Eigenes </a:t>
-            </a:r>
-            <a:r>
-              <a:rPr lang="de-CH" dirty="0">
-                <a:solidFill>
-                  <a:srgbClr val="FFFF00"/>
-                </a:solidFill>
-              </a:rPr>
-              <a:t>TODO:</a:t>
+              <a:t>Aktueller Stand</a:t>
             </a:r>
           </a:p>
         </p:txBody>
@@ -5945,7 +8998,7 @@
           <p:cNvPr id="3" name="Inhaltsplatzhalter 2">
             <a:extLst>
               <a:ext uri="{FF2B5EF4-FFF2-40B4-BE49-F238E27FC236}">
-                <a16:creationId xmlns:a16="http://schemas.microsoft.com/office/drawing/2014/main" id="{4F3239A5-894B-4A23-AF59-2ABB803B34F9}"/>
+                <a16:creationId xmlns:a16="http://schemas.microsoft.com/office/drawing/2014/main" id="{FCEF558E-2BDD-46BC-BA41-63FA390699D1}"/>
               </a:ext>
             </a:extLst>
           </p:cNvPr>
@@ -5963,43 +9016,733 @@
           <a:p>
             <a:r>
               <a:rPr lang="de-CH" dirty="0"/>
-              <a:t>Repository aufräumen</a:t>
-            </a:r>
-          </a:p>
-          <a:p>
+              <a:t>Schnittstellen Gruppe 7 </a:t>
+            </a:r>
+            <a:r>
+              <a:rPr lang="de-CH" dirty="0" err="1"/>
+              <a:t>logStore</a:t>
+            </a:r>
             <a:r>
               <a:rPr lang="de-CH" dirty="0"/>
-              <a:t>Code strukturieren / Ordnung schaffen</a:t>
+              <a:t> abgeklärt</a:t>
             </a:r>
           </a:p>
           <a:p>
             <a:r>
               <a:rPr lang="de-CH" dirty="0"/>
-              <a:t>Integration Gruppe 14 </a:t>
-            </a:r>
-            <a:r>
-              <a:rPr lang="de-CH" dirty="0" err="1"/>
-              <a:t>FeedCtrl</a:t>
-            </a:r>
-            <a:endParaRPr lang="de-CH" dirty="0"/>
+              <a:t>Import / Export von Events</a:t>
+            </a:r>
           </a:p>
           <a:p>
             <a:r>
               <a:rPr lang="de-CH" dirty="0"/>
-              <a:t>Erneutes Meeting mit Gruppe 13 </a:t>
-            </a:r>
-            <a:r>
-              <a:rPr lang="de-CH" dirty="0" err="1"/>
-              <a:t>SneakerNet</a:t>
-            </a:r>
-            <a:endParaRPr lang="de-CH" dirty="0"/>
+              <a:t>PCAP lesen / schreiben</a:t>
+            </a:r>
+          </a:p>
+          <a:p>
+            <a:r>
+              <a:rPr lang="de-CH" dirty="0"/>
+              <a:t>Unterstützung folgender Signaturen:</a:t>
+            </a:r>
+          </a:p>
+          <a:p>
+            <a:pPr lvl="1"/>
+            <a:r>
+              <a:rPr lang="de-CH" dirty="0"/>
+              <a:t>ED25519</a:t>
+            </a:r>
+          </a:p>
+          <a:p>
+            <a:pPr lvl="1"/>
+            <a:r>
+              <a:rPr lang="de-CH" dirty="0"/>
+              <a:t>HMAC_SHA256</a:t>
+            </a:r>
+          </a:p>
+          <a:p>
+            <a:pPr lvl="1"/>
+            <a:r>
+              <a:rPr lang="de-CH" dirty="0"/>
+              <a:t>Weitere bei Bedarf</a:t>
+            </a:r>
+          </a:p>
+          <a:p>
+            <a:r>
+              <a:rPr lang="de-CH" dirty="0"/>
+              <a:t>Unterstützung von SHA256 Hashes (weitere bei Bedarf)</a:t>
+            </a:r>
           </a:p>
         </p:txBody>
       </p:sp>
     </p:spTree>
     <p:extLst>
       <p:ext uri="{BB962C8B-B14F-4D97-AF65-F5344CB8AC3E}">
-        <p14:creationId xmlns:p14="http://schemas.microsoft.com/office/powerpoint/2010/main" val="872300987"/>
+        <p14:creationId xmlns:p14="http://schemas.microsoft.com/office/powerpoint/2010/main" val="175079771"/>
+      </p:ext>
+    </p:extLst>
+  </p:cSld>
+  <p:clrMapOvr>
+    <a:masterClrMapping/>
+  </p:clrMapOvr>
+</p:sld>
+</file>
+
+<file path=ppt/slides/slide8.xml><?xml version="1.0" encoding="utf-8"?>
+<p:sld xmlns:a="http://schemas.openxmlformats.org/drawingml/2006/main" xmlns:r="http://schemas.openxmlformats.org/officeDocument/2006/relationships" xmlns:p="http://schemas.openxmlformats.org/presentationml/2006/main">
+  <p:cSld>
+    <p:bg>
+      <p:bgPr>
+        <a:solidFill>
+          <a:schemeClr val="bg2"/>
+        </a:solidFill>
+        <a:effectLst/>
+      </p:bgPr>
+    </p:bg>
+    <p:spTree>
+      <p:nvGrpSpPr>
+        <p:cNvPr id="1" name=""/>
+        <p:cNvGrpSpPr/>
+        <p:nvPr/>
+      </p:nvGrpSpPr>
+      <p:grpSpPr>
+        <a:xfrm>
+          <a:off x="0" y="0"/>
+          <a:ext cx="0" cy="0"/>
+          <a:chOff x="0" y="0"/>
+          <a:chExt cx="0" cy="0"/>
+        </a:xfrm>
+      </p:grpSpPr>
+      <p:sp>
+        <p:nvSpPr>
+          <p:cNvPr id="9" name="Freeform 6">
+            <a:extLst>
+              <a:ext uri="{FF2B5EF4-FFF2-40B4-BE49-F238E27FC236}">
+                <a16:creationId xmlns:a16="http://schemas.microsoft.com/office/drawing/2014/main" id="{8775F366-526C-4C42-8931-696FFE8AA517}"/>
+              </a:ext>
+              <a:ext uri="{C183D7F6-B498-43B3-948B-1728B52AA6E4}">
+                <adec:decorative xmlns:adec="http://schemas.microsoft.com/office/drawing/2017/decorative" val="1"/>
+              </a:ext>
+            </a:extLst>
+          </p:cNvPr>
+          <p:cNvSpPr>
+            <a:spLocks noGrp="1" noRot="1" noChangeAspect="1" noMove="1" noResize="1" noEditPoints="1" noAdjustHandles="1" noChangeArrowheads="1" noChangeShapeType="1" noTextEdit="1"/>
+          </p:cNvSpPr>
+          <p:nvPr>
+            <p:extLst>
+              <p:ext uri="{386F3935-93C4-4BCD-93E2-E3B085C9AB24}">
+                <p16:designElem xmlns:p16="http://schemas.microsoft.com/office/powerpoint/2015/main" val="1"/>
+              </p:ext>
+            </p:extLst>
+          </p:nvPr>
+        </p:nvSpPr>
+        <p:spPr bwMode="auto">
+          <a:xfrm>
+            <a:off x="0" y="-3175"/>
+            <a:ext cx="12192000" cy="5203825"/>
+          </a:xfrm>
+          <a:custGeom>
+            <a:avLst/>
+            <a:gdLst/>
+            <a:ahLst/>
+            <a:cxnLst/>
+            <a:rect l="0" t="0" r="r" b="b"/>
+            <a:pathLst>
+              <a:path w="5760" h="3278">
+                <a:moveTo>
+                  <a:pt x="5760" y="0"/>
+                </a:moveTo>
+                <a:lnTo>
+                  <a:pt x="0" y="0"/>
+                </a:lnTo>
+                <a:lnTo>
+                  <a:pt x="0" y="3090"/>
+                </a:lnTo>
+                <a:lnTo>
+                  <a:pt x="943" y="3090"/>
+                </a:lnTo>
+                <a:lnTo>
+                  <a:pt x="1123" y="3270"/>
+                </a:lnTo>
+                <a:lnTo>
+                  <a:pt x="1123" y="3270"/>
+                </a:lnTo>
+                <a:lnTo>
+                  <a:pt x="1127" y="3272"/>
+                </a:lnTo>
+                <a:lnTo>
+                  <a:pt x="1133" y="3275"/>
+                </a:lnTo>
+                <a:lnTo>
+                  <a:pt x="1139" y="3278"/>
+                </a:lnTo>
+                <a:lnTo>
+                  <a:pt x="1144" y="3278"/>
+                </a:lnTo>
+                <a:lnTo>
+                  <a:pt x="1150" y="3278"/>
+                </a:lnTo>
+                <a:lnTo>
+                  <a:pt x="1155" y="3275"/>
+                </a:lnTo>
+                <a:lnTo>
+                  <a:pt x="1161" y="3272"/>
+                </a:lnTo>
+                <a:lnTo>
+                  <a:pt x="1165" y="3270"/>
+                </a:lnTo>
+                <a:lnTo>
+                  <a:pt x="1345" y="3090"/>
+                </a:lnTo>
+                <a:lnTo>
+                  <a:pt x="5760" y="3090"/>
+                </a:lnTo>
+                <a:lnTo>
+                  <a:pt x="5760" y="0"/>
+                </a:lnTo>
+                <a:close/>
+              </a:path>
+            </a:pathLst>
+          </a:custGeom>
+          <a:ln/>
+          <a:effectLst/>
+          <a:extLst>
+            <a:ext uri="{91240B29-F687-4f45-9708-019B960494DF}">
+              <a14:hiddenLine xmlns="" xmlns:a14="http://schemas.microsoft.com/office/drawing/2010/main" xmlns:a16="http://schemas.microsoft.com/office/drawing/2014/main" w="9525">
+                <a:solidFill>
+                  <a:srgbClr val="000000"/>
+                </a:solidFill>
+                <a:round/>
+                <a:headEnd/>
+                <a:tailEnd/>
+              </a14:hiddenLine>
+            </a:ext>
+          </a:extLst>
+        </p:spPr>
+        <p:style>
+          <a:lnRef idx="1">
+            <a:schemeClr val="accent1"/>
+          </a:lnRef>
+          <a:fillRef idx="3">
+            <a:schemeClr val="accent1"/>
+          </a:fillRef>
+          <a:effectRef idx="2">
+            <a:schemeClr val="accent1"/>
+          </a:effectRef>
+          <a:fontRef idx="minor">
+            <a:schemeClr val="lt1"/>
+          </a:fontRef>
+        </p:style>
+      </p:sp>
+      <p:sp>
+        <p:nvSpPr>
+          <p:cNvPr id="11" name="Rectangle 10">
+            <a:extLst>
+              <a:ext uri="{FF2B5EF4-FFF2-40B4-BE49-F238E27FC236}">
+                <a16:creationId xmlns:a16="http://schemas.microsoft.com/office/drawing/2014/main" id="{12839A1C-34CB-4C3C-8531-CA67525FDE9E}"/>
+              </a:ext>
+              <a:ext uri="{C183D7F6-B498-43B3-948B-1728B52AA6E4}">
+                <adec:decorative xmlns:adec="http://schemas.microsoft.com/office/drawing/2017/decorative" val="1"/>
+              </a:ext>
+            </a:extLst>
+          </p:cNvPr>
+          <p:cNvSpPr>
+            <a:spLocks noGrp="1" noRot="1" noChangeAspect="1" noMove="1" noResize="1" noEditPoints="1" noAdjustHandles="1" noChangeArrowheads="1" noChangeShapeType="1" noTextEdit="1"/>
+          </p:cNvSpPr>
+          <p:nvPr>
+            <p:extLst>
+              <p:ext uri="{386F3935-93C4-4BCD-93E2-E3B085C9AB24}">
+                <p16:designElem xmlns:p16="http://schemas.microsoft.com/office/powerpoint/2015/main" val="1"/>
+              </p:ext>
+            </p:extLst>
+          </p:nvPr>
+        </p:nvSpPr>
+        <p:spPr>
+          <a:xfrm>
+            <a:off x="0" y="0"/>
+            <a:ext cx="12192000" cy="6858000"/>
+          </a:xfrm>
+          <a:prstGeom prst="rect">
+            <a:avLst/>
+          </a:prstGeom>
+          <a:solidFill>
+            <a:schemeClr val="accent1"/>
+          </a:solidFill>
+          <a:ln>
+            <a:noFill/>
+          </a:ln>
+        </p:spPr>
+        <p:style>
+          <a:lnRef idx="2">
+            <a:schemeClr val="accent1">
+              <a:shade val="50000"/>
+            </a:schemeClr>
+          </a:lnRef>
+          <a:fillRef idx="1">
+            <a:schemeClr val="accent1"/>
+          </a:fillRef>
+          <a:effectRef idx="0">
+            <a:schemeClr val="accent1"/>
+          </a:effectRef>
+          <a:fontRef idx="minor">
+            <a:schemeClr val="lt1"/>
+          </a:fontRef>
+        </p:style>
+        <p:txBody>
+          <a:bodyPr rtlCol="0" anchor="ctr"/>
+          <a:lstStyle/>
+          <a:p>
+            <a:pPr algn="ctr"/>
+            <a:endParaRPr lang="en-US"/>
+          </a:p>
+        </p:txBody>
+      </p:sp>
+      <p:sp>
+        <p:nvSpPr>
+          <p:cNvPr id="2" name="Titel 1">
+            <a:extLst>
+              <a:ext uri="{FF2B5EF4-FFF2-40B4-BE49-F238E27FC236}">
+                <a16:creationId xmlns:a16="http://schemas.microsoft.com/office/drawing/2014/main" id="{8FF37D72-575F-4E1A-A033-FCFC4B8ABE49}"/>
+              </a:ext>
+            </a:extLst>
+          </p:cNvPr>
+          <p:cNvSpPr>
+            <a:spLocks noGrp="1"/>
+          </p:cNvSpPr>
+          <p:nvPr>
+            <p:ph type="title"/>
+          </p:nvPr>
+        </p:nvSpPr>
+        <p:spPr>
+          <a:xfrm>
+            <a:off x="6095999" y="1032918"/>
+            <a:ext cx="5452533" cy="4792165"/>
+          </a:xfrm>
+          <a:effectLst/>
+        </p:spPr>
+        <p:txBody>
+          <a:bodyPr vert="horz" lIns="91440" tIns="45720" rIns="91440" bIns="45720" rtlCol="0" anchor="ctr">
+            <a:normAutofit/>
+          </a:bodyPr>
+          <a:lstStyle/>
+          <a:p>
+            <a:r>
+              <a:rPr lang="en-US" sz="6600" dirty="0"/>
+              <a:t>Create Event </a:t>
+            </a:r>
+            <a:r>
+              <a:rPr lang="en-US" sz="6600" dirty="0" err="1"/>
+              <a:t>Beispiel</a:t>
+            </a:r>
+            <a:endParaRPr lang="en-US" sz="6600" dirty="0"/>
+          </a:p>
+        </p:txBody>
+      </p:sp>
+      <p:sp useBgFill="1">
+        <p:nvSpPr>
+          <p:cNvPr id="13" name="Freeform: Shape 12">
+            <a:extLst>
+              <a:ext uri="{FF2B5EF4-FFF2-40B4-BE49-F238E27FC236}">
+                <a16:creationId xmlns:a16="http://schemas.microsoft.com/office/drawing/2014/main" id="{FAC94EAF-F7F7-4727-AE69-A7036B4A5122}"/>
+              </a:ext>
+              <a:ext uri="{C183D7F6-B498-43B3-948B-1728B52AA6E4}">
+                <adec:decorative xmlns:adec="http://schemas.microsoft.com/office/drawing/2017/decorative" val="1"/>
+              </a:ext>
+            </a:extLst>
+          </p:cNvPr>
+          <p:cNvSpPr>
+            <a:spLocks noGrp="1" noRot="1" noChangeAspect="1" noMove="1" noResize="1" noEditPoints="1" noAdjustHandles="1" noChangeArrowheads="1" noChangeShapeType="1" noTextEdit="1"/>
+          </p:cNvSpPr>
+          <p:nvPr>
+            <p:extLst>
+              <p:ext uri="{386F3935-93C4-4BCD-93E2-E3B085C9AB24}">
+                <p16:designElem xmlns:p16="http://schemas.microsoft.com/office/powerpoint/2015/main" val="1"/>
+              </p:ext>
+            </p:extLst>
+          </p:nvPr>
+        </p:nvSpPr>
+        <p:spPr bwMode="auto">
+          <a:xfrm rot="16200000">
+            <a:off x="-650724" y="650724"/>
+            <a:ext cx="6858000" cy="5556552"/>
+          </a:xfrm>
+          <a:custGeom>
+            <a:avLst/>
+            <a:gdLst>
+              <a:gd name="connsiteX0" fmla="*/ 6858000 w 6858000"/>
+              <a:gd name="connsiteY0" fmla="*/ 3445704 h 5556552"/>
+              <a:gd name="connsiteX1" fmla="*/ 3829242 w 6858000"/>
+              <a:gd name="connsiteY1" fmla="*/ 5433322 h 5556552"/>
+              <a:gd name="connsiteX2" fmla="*/ 3827369 w 6858000"/>
+              <a:gd name="connsiteY2" fmla="*/ 5434867 h 5556552"/>
+              <a:gd name="connsiteX3" fmla="*/ 3824583 w 6858000"/>
+              <a:gd name="connsiteY3" fmla="*/ 5436378 h 5556552"/>
+              <a:gd name="connsiteX4" fmla="*/ 3798693 w 6858000"/>
+              <a:gd name="connsiteY4" fmla="*/ 5453370 h 5556552"/>
+              <a:gd name="connsiteX5" fmla="*/ 3785011 w 6858000"/>
+              <a:gd name="connsiteY5" fmla="*/ 5457858 h 5556552"/>
+              <a:gd name="connsiteX6" fmla="*/ 3706339 w 6858000"/>
+              <a:gd name="connsiteY6" fmla="*/ 5500559 h 5556552"/>
+              <a:gd name="connsiteX7" fmla="*/ 3428998 w 6858000"/>
+              <a:gd name="connsiteY7" fmla="*/ 5556552 h 5556552"/>
+              <a:gd name="connsiteX8" fmla="*/ 3151658 w 6858000"/>
+              <a:gd name="connsiteY8" fmla="*/ 5500559 h 5556552"/>
+              <a:gd name="connsiteX9" fmla="*/ 3072996 w 6858000"/>
+              <a:gd name="connsiteY9" fmla="*/ 5457863 h 5556552"/>
+              <a:gd name="connsiteX10" fmla="*/ 3059298 w 6858000"/>
+              <a:gd name="connsiteY10" fmla="*/ 5453370 h 5556552"/>
+              <a:gd name="connsiteX11" fmla="*/ 3033383 w 6858000"/>
+              <a:gd name="connsiteY11" fmla="*/ 5436362 h 5556552"/>
+              <a:gd name="connsiteX12" fmla="*/ 3030627 w 6858000"/>
+              <a:gd name="connsiteY12" fmla="*/ 5434867 h 5556552"/>
+              <a:gd name="connsiteX13" fmla="*/ 3028775 w 6858000"/>
+              <a:gd name="connsiteY13" fmla="*/ 5433338 h 5556552"/>
+              <a:gd name="connsiteX14" fmla="*/ 0 w 6858000"/>
+              <a:gd name="connsiteY14" fmla="*/ 3445704 h 5556552"/>
+              <a:gd name="connsiteX15" fmla="*/ 6858000 w 6858000"/>
+              <a:gd name="connsiteY15" fmla="*/ 0 h 5556552"/>
+              <a:gd name="connsiteX16" fmla="*/ 6858000 w 6858000"/>
+              <a:gd name="connsiteY16" fmla="*/ 349336 h 5556552"/>
+              <a:gd name="connsiteX17" fmla="*/ 6858000 w 6858000"/>
+              <a:gd name="connsiteY17" fmla="*/ 3445703 h 5556552"/>
+              <a:gd name="connsiteX18" fmla="*/ 0 w 6858000"/>
+              <a:gd name="connsiteY18" fmla="*/ 3445703 h 5556552"/>
+              <a:gd name="connsiteX19" fmla="*/ 0 w 6858000"/>
+              <a:gd name="connsiteY19" fmla="*/ 0 h 5556552"/>
+            </a:gdLst>
+            <a:ahLst/>
+            <a:cxnLst>
+              <a:cxn ang="0">
+                <a:pos x="connsiteX0" y="connsiteY0"/>
+              </a:cxn>
+              <a:cxn ang="0">
+                <a:pos x="connsiteX1" y="connsiteY1"/>
+              </a:cxn>
+              <a:cxn ang="0">
+                <a:pos x="connsiteX2" y="connsiteY2"/>
+              </a:cxn>
+              <a:cxn ang="0">
+                <a:pos x="connsiteX3" y="connsiteY3"/>
+              </a:cxn>
+              <a:cxn ang="0">
+                <a:pos x="connsiteX4" y="connsiteY4"/>
+              </a:cxn>
+              <a:cxn ang="0">
+                <a:pos x="connsiteX5" y="connsiteY5"/>
+              </a:cxn>
+              <a:cxn ang="0">
+                <a:pos x="connsiteX6" y="connsiteY6"/>
+              </a:cxn>
+              <a:cxn ang="0">
+                <a:pos x="connsiteX7" y="connsiteY7"/>
+              </a:cxn>
+              <a:cxn ang="0">
+                <a:pos x="connsiteX8" y="connsiteY8"/>
+              </a:cxn>
+              <a:cxn ang="0">
+                <a:pos x="connsiteX9" y="connsiteY9"/>
+              </a:cxn>
+              <a:cxn ang="0">
+                <a:pos x="connsiteX10" y="connsiteY10"/>
+              </a:cxn>
+              <a:cxn ang="0">
+                <a:pos x="connsiteX11" y="connsiteY11"/>
+              </a:cxn>
+              <a:cxn ang="0">
+                <a:pos x="connsiteX12" y="connsiteY12"/>
+              </a:cxn>
+              <a:cxn ang="0">
+                <a:pos x="connsiteX13" y="connsiteY13"/>
+              </a:cxn>
+              <a:cxn ang="0">
+                <a:pos x="connsiteX14" y="connsiteY14"/>
+              </a:cxn>
+              <a:cxn ang="0">
+                <a:pos x="connsiteX15" y="connsiteY15"/>
+              </a:cxn>
+              <a:cxn ang="0">
+                <a:pos x="connsiteX16" y="connsiteY16"/>
+              </a:cxn>
+              <a:cxn ang="0">
+                <a:pos x="connsiteX17" y="connsiteY17"/>
+              </a:cxn>
+              <a:cxn ang="0">
+                <a:pos x="connsiteX18" y="connsiteY18"/>
+              </a:cxn>
+              <a:cxn ang="0">
+                <a:pos x="connsiteX19" y="connsiteY19"/>
+              </a:cxn>
+            </a:cxnLst>
+            <a:rect l="l" t="t" r="r" b="b"/>
+            <a:pathLst>
+              <a:path w="6858000" h="5556552">
+                <a:moveTo>
+                  <a:pt x="6858000" y="3445704"/>
+                </a:moveTo>
+                <a:lnTo>
+                  <a:pt x="3829242" y="5433322"/>
+                </a:lnTo>
+                <a:lnTo>
+                  <a:pt x="3827369" y="5434867"/>
+                </a:lnTo>
+                <a:lnTo>
+                  <a:pt x="3824583" y="5436378"/>
+                </a:lnTo>
+                <a:lnTo>
+                  <a:pt x="3798693" y="5453370"/>
+                </a:lnTo>
+                <a:lnTo>
+                  <a:pt x="3785011" y="5457858"/>
+                </a:lnTo>
+                <a:lnTo>
+                  <a:pt x="3706339" y="5500559"/>
+                </a:lnTo>
+                <a:cubicBezTo>
+                  <a:pt x="3621096" y="5536614"/>
+                  <a:pt x="3527375" y="5556552"/>
+                  <a:pt x="3428998" y="5556552"/>
+                </a:cubicBezTo>
+                <a:cubicBezTo>
+                  <a:pt x="3330621" y="5556552"/>
+                  <a:pt x="3236901" y="5536614"/>
+                  <a:pt x="3151658" y="5500559"/>
+                </a:cubicBezTo>
+                <a:lnTo>
+                  <a:pt x="3072996" y="5457863"/>
+                </a:lnTo>
+                <a:lnTo>
+                  <a:pt x="3059298" y="5453370"/>
+                </a:lnTo>
+                <a:lnTo>
+                  <a:pt x="3033383" y="5436362"/>
+                </a:lnTo>
+                <a:lnTo>
+                  <a:pt x="3030627" y="5434867"/>
+                </a:lnTo>
+                <a:lnTo>
+                  <a:pt x="3028775" y="5433338"/>
+                </a:lnTo>
+                <a:lnTo>
+                  <a:pt x="0" y="3445704"/>
+                </a:lnTo>
+                <a:close/>
+                <a:moveTo>
+                  <a:pt x="6858000" y="0"/>
+                </a:moveTo>
+                <a:lnTo>
+                  <a:pt x="6858000" y="349336"/>
+                </a:lnTo>
+                <a:lnTo>
+                  <a:pt x="6858000" y="3445703"/>
+                </a:lnTo>
+                <a:lnTo>
+                  <a:pt x="0" y="3445703"/>
+                </a:lnTo>
+                <a:lnTo>
+                  <a:pt x="0" y="0"/>
+                </a:lnTo>
+                <a:close/>
+              </a:path>
+            </a:pathLst>
+          </a:custGeom>
+          <a:ln>
+            <a:noFill/>
+          </a:ln>
+          <a:effectLst/>
+          <a:extLst>
+            <a:ext uri="{91240B29-F687-4f45-9708-019B960494DF}">
+              <a14:hiddenLine xmlns="" xmlns:a14="http://schemas.microsoft.com/office/drawing/2010/main" xmlns:p14="http://schemas.microsoft.com/office/powerpoint/2010/main" xmlns:a16="http://schemas.microsoft.com/office/drawing/2014/main" w="9525">
+                <a:solidFill>
+                  <a:srgbClr val="000000"/>
+                </a:solidFill>
+                <a:round/>
+                <a:headEnd/>
+                <a:tailEnd/>
+              </a14:hiddenLine>
+            </a:ext>
+          </a:extLst>
+        </p:spPr>
+        <p:style>
+          <a:lnRef idx="1">
+            <a:schemeClr val="accent1"/>
+          </a:lnRef>
+          <a:fillRef idx="3">
+            <a:schemeClr val="accent1"/>
+          </a:fillRef>
+          <a:effectRef idx="2">
+            <a:schemeClr val="accent1"/>
+          </a:effectRef>
+          <a:fontRef idx="minor">
+            <a:schemeClr val="lt1"/>
+          </a:fontRef>
+        </p:style>
+      </p:sp>
+      <p:sp>
+        <p:nvSpPr>
+          <p:cNvPr id="4" name="Inhaltsplatzhalter 2">
+            <a:extLst>
+              <a:ext uri="{FF2B5EF4-FFF2-40B4-BE49-F238E27FC236}">
+                <a16:creationId xmlns:a16="http://schemas.microsoft.com/office/drawing/2014/main" id="{71BEAECD-C2B6-48D2-B429-9245DA5821EA}"/>
+              </a:ext>
+            </a:extLst>
+          </p:cNvPr>
+          <p:cNvSpPr>
+            <a:spLocks noGrp="1"/>
+          </p:cNvSpPr>
+          <p:nvPr>
+            <p:ph idx="1"/>
+          </p:nvPr>
+        </p:nvSpPr>
+        <p:spPr>
+          <a:xfrm>
+            <a:off x="643466" y="2281574"/>
+            <a:ext cx="3994015" cy="2294852"/>
+          </a:xfrm>
+          <a:effectLst/>
+        </p:spPr>
+        <p:txBody>
+          <a:bodyPr vert="horz" lIns="91440" tIns="45720" rIns="91440" bIns="45720" rtlCol="0" anchor="ctr">
+            <a:normAutofit/>
+          </a:bodyPr>
+          <a:lstStyle/>
+          <a:p>
+            <a:pPr marL="0" indent="0" algn="ctr">
+              <a:buNone/>
+            </a:pPr>
+            <a:r>
+              <a:rPr lang="en-US" sz="2800" dirty="0" err="1"/>
+              <a:t>Vorzeigen</a:t>
+            </a:r>
+            <a:r>
+              <a:rPr lang="en-US" sz="2800" dirty="0"/>
+              <a:t> </a:t>
+            </a:r>
+            <a:r>
+              <a:rPr lang="en-US" sz="2800" dirty="0">
+                <a:solidFill>
+                  <a:srgbClr val="FF0000"/>
+                </a:solidFill>
+              </a:rPr>
+              <a:t>LIVE</a:t>
+            </a:r>
+          </a:p>
+        </p:txBody>
+      </p:sp>
+    </p:spTree>
+    <p:extLst>
+      <p:ext uri="{BB962C8B-B14F-4D97-AF65-F5344CB8AC3E}">
+        <p14:creationId xmlns:p14="http://schemas.microsoft.com/office/powerpoint/2010/main" val="1903722945"/>
+      </p:ext>
+    </p:extLst>
+  </p:cSld>
+  <p:clrMapOvr>
+    <a:masterClrMapping/>
+  </p:clrMapOvr>
+</p:sld>
+</file>
+
+<file path=ppt/slides/slide9.xml><?xml version="1.0" encoding="utf-8"?>
+<p:sld xmlns:a="http://schemas.openxmlformats.org/drawingml/2006/main" xmlns:r="http://schemas.openxmlformats.org/officeDocument/2006/relationships" xmlns:p="http://schemas.openxmlformats.org/presentationml/2006/main">
+  <p:cSld>
+    <p:spTree>
+      <p:nvGrpSpPr>
+        <p:cNvPr id="1" name=""/>
+        <p:cNvGrpSpPr/>
+        <p:nvPr/>
+      </p:nvGrpSpPr>
+      <p:grpSpPr>
+        <a:xfrm>
+          <a:off x="0" y="0"/>
+          <a:ext cx="0" cy="0"/>
+          <a:chOff x="0" y="0"/>
+          <a:chExt cx="0" cy="0"/>
+        </a:xfrm>
+      </p:grpSpPr>
+      <p:sp>
+        <p:nvSpPr>
+          <p:cNvPr id="2" name="Titel 1">
+            <a:extLst>
+              <a:ext uri="{FF2B5EF4-FFF2-40B4-BE49-F238E27FC236}">
+                <a16:creationId xmlns:a16="http://schemas.microsoft.com/office/drawing/2014/main" id="{DAC4976D-6DD1-4E91-AC33-B1FAAF6CF45A}"/>
+              </a:ext>
+            </a:extLst>
+          </p:cNvPr>
+          <p:cNvSpPr>
+            <a:spLocks noGrp="1"/>
+          </p:cNvSpPr>
+          <p:nvPr>
+            <p:ph type="title"/>
+          </p:nvPr>
+        </p:nvSpPr>
+        <p:spPr/>
+        <p:txBody>
+          <a:bodyPr/>
+          <a:lstStyle/>
+          <a:p>
+            <a:r>
+              <a:rPr lang="de-CH" dirty="0"/>
+              <a:t>Weiters Vorgehen (was noch fehlt)</a:t>
+            </a:r>
+          </a:p>
+        </p:txBody>
+      </p:sp>
+      <p:sp>
+        <p:nvSpPr>
+          <p:cNvPr id="3" name="Inhaltsplatzhalter 2">
+            <a:extLst>
+              <a:ext uri="{FF2B5EF4-FFF2-40B4-BE49-F238E27FC236}">
+                <a16:creationId xmlns:a16="http://schemas.microsoft.com/office/drawing/2014/main" id="{621E2FDC-88BA-4692-ACA3-470406A3F4FB}"/>
+              </a:ext>
+            </a:extLst>
+          </p:cNvPr>
+          <p:cNvSpPr>
+            <a:spLocks noGrp="1"/>
+          </p:cNvSpPr>
+          <p:nvPr>
+            <p:ph idx="1"/>
+          </p:nvPr>
+        </p:nvSpPr>
+        <p:spPr/>
+        <p:txBody>
+          <a:bodyPr/>
+          <a:lstStyle/>
+          <a:p>
+            <a:r>
+              <a:rPr lang="de-CH" dirty="0"/>
+              <a:t>Integration Gruppe 14 </a:t>
+            </a:r>
+            <a:r>
+              <a:rPr lang="de-CH" dirty="0" err="1"/>
+              <a:t>feedCtrl</a:t>
+            </a:r>
+            <a:r>
+              <a:rPr lang="de-CH" dirty="0"/>
+              <a:t> -&gt; Filterfunktion</a:t>
+            </a:r>
+          </a:p>
+          <a:p>
+            <a:r>
+              <a:rPr lang="de-CH" dirty="0"/>
+              <a:t>Absprache G13 / 1</a:t>
+            </a:r>
+          </a:p>
+          <a:p>
+            <a:r>
+              <a:rPr lang="de-CH" dirty="0"/>
+              <a:t>Alles testen</a:t>
+            </a:r>
+          </a:p>
+          <a:p>
+            <a:r>
+              <a:rPr lang="de-CH" dirty="0"/>
+              <a:t>Evtl. Schnittstellen nachjustieren G7</a:t>
+            </a:r>
+          </a:p>
+        </p:txBody>
+      </p:sp>
+    </p:spTree>
+    <p:extLst>
+      <p:ext uri="{BB962C8B-B14F-4D97-AF65-F5344CB8AC3E}">
+        <p14:creationId xmlns:p14="http://schemas.microsoft.com/office/powerpoint/2010/main" val="3744246541"/>
       </p:ext>
     </p:extLst>
   </p:cSld>
